--- a/docs/graphics.pptx
+++ b/docs/graphics.pptx
@@ -4163,7 +4163,7 @@
             <a:r>
               <a:rPr lang="en-AU" sz="8800" dirty="0">
                 <a:solidFill>
-                  <a:srgbClr val="00B050"/>
+                  <a:srgbClr val="00BE83"/>
                 </a:solidFill>
                 <a:latin typeface="ClanOT-Medium" panose="02000503030000020004" pitchFamily="2" charset="0"/>
               </a:rPr>
@@ -4176,16 +4176,7 @@
                 </a:solidFill>
                 <a:latin typeface="ClanOT-Medium" panose="02000503030000020004" pitchFamily="2" charset="0"/>
               </a:rPr>
-              <a:t> </a:t>
-            </a:r>
-            <a:r>
-              <a:rPr lang="en-AU" sz="11500" b="1" dirty="0">
-                <a:solidFill>
-                  <a:srgbClr val="EF3B2D"/>
-                </a:solidFill>
-                <a:latin typeface="ClanOT-Medium" panose="02000503030000020004" pitchFamily="2" charset="0"/>
-              </a:rPr>
-              <a:t>E</a:t>
+              <a:t>     </a:t>
             </a:r>
             <a:r>
               <a:rPr lang="en-AU" sz="8800" dirty="0">
@@ -4226,7 +4217,7 @@
         </p:blipFill>
         <p:spPr bwMode="auto">
           <a:xfrm>
-            <a:off x="1875181" y="708992"/>
+            <a:off x="1702905" y="708992"/>
             <a:ext cx="1676402" cy="1490778"/>
           </a:xfrm>
           <a:prstGeom prst="rect">
@@ -4244,6 +4235,47 @@
           </a:extLst>
         </p:spPr>
       </p:pic>
+      <p:sp>
+        <p:nvSpPr>
+          <p:cNvPr id="6" name="TextBox 5">
+            <a:extLst>
+              <a:ext uri="{FF2B5EF4-FFF2-40B4-BE49-F238E27FC236}">
+                <a16:creationId xmlns:a16="http://schemas.microsoft.com/office/drawing/2014/main" id="{F00BE258-D613-7C00-08A4-13DE38DAD056}"/>
+              </a:ext>
+            </a:extLst>
+          </p:cNvPr>
+          <p:cNvSpPr txBox="1"/>
+          <p:nvPr/>
+        </p:nvSpPr>
+        <p:spPr>
+          <a:xfrm>
+            <a:off x="4793981" y="410819"/>
+            <a:ext cx="1374903" cy="2215991"/>
+          </a:xfrm>
+          <a:prstGeom prst="rect">
+            <a:avLst/>
+          </a:prstGeom>
+          <a:noFill/>
+        </p:spPr>
+        <p:txBody>
+          <a:bodyPr wrap="square" rtlCol="0">
+            <a:spAutoFit/>
+          </a:bodyPr>
+          <a:lstStyle/>
+          <a:p>
+            <a:r>
+              <a:rPr lang="en-AU" sz="13800" b="1" dirty="0">
+                <a:solidFill>
+                  <a:srgbClr val="EF3B2D"/>
+                </a:solidFill>
+                <a:latin typeface="ClanOT-Medium" panose="02000503030000020004" pitchFamily="2" charset="0"/>
+              </a:rPr>
+              <a:t>E</a:t>
+            </a:r>
+            <a:endParaRPr lang="en-AU" sz="2400" dirty="0"/>
+          </a:p>
+        </p:txBody>
+      </p:sp>
     </p:spTree>
     <p:extLst>
       <p:ext uri="{BB962C8B-B14F-4D97-AF65-F5344CB8AC3E}">

--- a/docs/graphics.pptx
+++ b/docs/graphics.pptx
@@ -6,8 +6,9 @@
   </p:sldMasterIdLst>
   <p:sldIdLst>
     <p:sldId id="256" r:id="rId2"/>
-    <p:sldId id="257" r:id="rId3"/>
-    <p:sldId id="258" r:id="rId4"/>
+    <p:sldId id="259" r:id="rId3"/>
+    <p:sldId id="257" r:id="rId4"/>
+    <p:sldId id="258" r:id="rId5"/>
   </p:sldIdLst>
   <p:sldSz cx="12192000" cy="6858000"/>
   <p:notesSz cx="6858000" cy="9144000"/>
@@ -3369,62 +3370,8 @@
           <a:prstGeom prst="rect">
             <a:avLst/>
           </a:prstGeom>
-          <a:ln>
-            <a:noFill/>
-          </a:ln>
-        </p:spPr>
-        <p:style>
-          <a:lnRef idx="2">
-            <a:schemeClr val="accent1">
-              <a:shade val="50000"/>
-            </a:schemeClr>
-          </a:lnRef>
-          <a:fillRef idx="1">
-            <a:schemeClr val="accent1"/>
-          </a:fillRef>
-          <a:effectRef idx="0">
-            <a:schemeClr val="accent1"/>
-          </a:effectRef>
-          <a:fontRef idx="minor">
-            <a:schemeClr val="lt1"/>
-          </a:fontRef>
-        </p:style>
-        <p:txBody>
-          <a:bodyPr rtlCol="0" anchor="ctr"/>
-          <a:lstStyle/>
-          <a:p>
-            <a:pPr algn="ctr"/>
-            <a:r>
-              <a:rPr lang="en-AU" b="1" dirty="0"/>
-              <a:t>@konnec/vue-eloquent</a:t>
-            </a:r>
-          </a:p>
-        </p:txBody>
-      </p:sp>
-      <p:sp>
-        <p:nvSpPr>
-          <p:cNvPr id="5" name="Rectangle 4">
-            <a:extLst>
-              <a:ext uri="{FF2B5EF4-FFF2-40B4-BE49-F238E27FC236}">
-                <a16:creationId xmlns:a16="http://schemas.microsoft.com/office/drawing/2014/main" id="{1B5CD0BA-96D7-D100-BF8E-84B1D7E01D8C}"/>
-              </a:ext>
-            </a:extLst>
-          </p:cNvPr>
-          <p:cNvSpPr/>
-          <p:nvPr/>
-        </p:nvSpPr>
-        <p:spPr>
-          <a:xfrm>
-            <a:off x="5492918" y="1198691"/>
-            <a:ext cx="4752887" cy="755374"/>
-          </a:xfrm>
-          <a:prstGeom prst="rect">
-            <a:avLst/>
-          </a:prstGeom>
           <a:solidFill>
-            <a:schemeClr val="accent6">
-              <a:lumMod val="75000"/>
-            </a:schemeClr>
+            <a:srgbClr val="00BD82"/>
           </a:solidFill>
           <a:ln>
             <a:noFill/>
@@ -3447,40 +3394,28 @@
           </a:fontRef>
         </p:style>
         <p:txBody>
-          <a:bodyPr rtlCol="0" anchor="ctr"/>
+          <a:bodyPr rot="0" spcFirstLastPara="0" vertOverflow="overflow" horzOverflow="overflow" vert="horz" wrap="square" lIns="91440" tIns="45720" rIns="91440" bIns="45720" numCol="1" spcCol="0" rtlCol="0" fromWordArt="0" anchor="ctr" anchorCtr="0" forceAA="0" compatLnSpc="1">
+            <a:prstTxWarp prst="textNoShape">
+              <a:avLst/>
+            </a:prstTxWarp>
+            <a:noAutofit/>
+          </a:bodyPr>
           <a:lstStyle/>
           <a:p>
             <a:pPr algn="ctr"/>
             <a:r>
-              <a:rPr lang="en-AU" b="1" dirty="0" err="1"/>
-              <a:t>konnec</a:t>
-            </a:r>
-            <a:r>
-              <a:rPr lang="en-AU" b="1" dirty="0"/>
-              <a:t>/</a:t>
-            </a:r>
-            <a:r>
-              <a:rPr lang="en-AU" b="1" dirty="0" err="1"/>
-              <a:t>vue</a:t>
-            </a:r>
-            <a:r>
-              <a:rPr lang="en-AU" b="1" dirty="0"/>
-              <a:t>-eloquent-</a:t>
-            </a:r>
-            <a:r>
-              <a:rPr lang="en-AU" b="1" dirty="0" err="1"/>
-              <a:t>api</a:t>
-            </a:r>
-            <a:endParaRPr lang="en-AU" b="1" dirty="0"/>
-          </a:p>
-        </p:txBody>
-      </p:sp>
-      <p:sp>
-        <p:nvSpPr>
-          <p:cNvPr id="6" name="Rectangle 5">
-            <a:extLst>
-              <a:ext uri="{FF2B5EF4-FFF2-40B4-BE49-F238E27FC236}">
-                <a16:creationId xmlns:a16="http://schemas.microsoft.com/office/drawing/2014/main" id="{6AD75731-5C13-3E2A-17A2-75FAE9F39D19}"/>
+              <a:rPr lang="en-AU" sz="2400" b="1" dirty="0"/>
+              <a:t>@konnec/vue-eloquent</a:t>
+            </a:r>
+          </a:p>
+        </p:txBody>
+      </p:sp>
+      <p:sp>
+        <p:nvSpPr>
+          <p:cNvPr id="5" name="Rectangle 4">
+            <a:extLst>
+              <a:ext uri="{FF2B5EF4-FFF2-40B4-BE49-F238E27FC236}">
+                <a16:creationId xmlns:a16="http://schemas.microsoft.com/office/drawing/2014/main" id="{1B5CD0BA-96D7-D100-BF8E-84B1D7E01D8C}"/>
               </a:ext>
             </a:extLst>
           </p:cNvPr>
@@ -3489,16 +3424,14 @@
         </p:nvSpPr>
         <p:spPr>
           <a:xfrm>
-            <a:off x="6706282" y="2191263"/>
-            <a:ext cx="1550773" cy="2475473"/>
+            <a:off x="5492918" y="1198691"/>
+            <a:ext cx="4752887" cy="755374"/>
           </a:xfrm>
           <a:prstGeom prst="rect">
             <a:avLst/>
           </a:prstGeom>
           <a:solidFill>
-            <a:schemeClr val="accent6">
-              <a:lumMod val="75000"/>
-            </a:schemeClr>
+            <a:srgbClr val="EF2F20"/>
           </a:solidFill>
           <a:ln>
             <a:noFill/>
@@ -3521,23 +3454,45 @@
           </a:fontRef>
         </p:style>
         <p:txBody>
-          <a:bodyPr rtlCol="0" anchor="ctr"/>
+          <a:bodyPr rot="0" spcFirstLastPara="0" vertOverflow="overflow" horzOverflow="overflow" vert="horz" wrap="square" lIns="91440" tIns="45720" rIns="91440" bIns="45720" numCol="1" spcCol="0" rtlCol="0" fromWordArt="0" anchor="ctr" anchorCtr="0" forceAA="0" compatLnSpc="1">
+            <a:prstTxWarp prst="textNoShape">
+              <a:avLst/>
+            </a:prstTxWarp>
+            <a:noAutofit/>
+          </a:bodyPr>
           <a:lstStyle/>
           <a:p>
             <a:pPr algn="ctr"/>
             <a:r>
-              <a:rPr lang="en-AU" dirty="0"/>
-              <a:t>Controller</a:t>
-            </a:r>
-          </a:p>
-        </p:txBody>
-      </p:sp>
-      <p:sp>
-        <p:nvSpPr>
-          <p:cNvPr id="7" name="Rectangle 6">
-            <a:extLst>
-              <a:ext uri="{FF2B5EF4-FFF2-40B4-BE49-F238E27FC236}">
-                <a16:creationId xmlns:a16="http://schemas.microsoft.com/office/drawing/2014/main" id="{4ED9ADB2-1B3C-2176-AC9E-9B34D1B5490D}"/>
+              <a:rPr lang="en-AU" sz="2400" b="1" dirty="0" err="1"/>
+              <a:t>konnec</a:t>
+            </a:r>
+            <a:r>
+              <a:rPr lang="en-AU" sz="2400" b="1" dirty="0"/>
+              <a:t>/</a:t>
+            </a:r>
+            <a:r>
+              <a:rPr lang="en-AU" sz="2400" b="1" dirty="0" err="1"/>
+              <a:t>vue</a:t>
+            </a:r>
+            <a:r>
+              <a:rPr lang="en-AU" sz="2400" b="1" dirty="0"/>
+              <a:t>-eloquent-</a:t>
+            </a:r>
+            <a:r>
+              <a:rPr lang="en-AU" sz="2400" b="1" dirty="0" err="1"/>
+              <a:t>api</a:t>
+            </a:r>
+            <a:endParaRPr lang="en-AU" sz="2400" b="1" dirty="0"/>
+          </a:p>
+        </p:txBody>
+      </p:sp>
+      <p:sp>
+        <p:nvSpPr>
+          <p:cNvPr id="6" name="Rectangle 5">
+            <a:extLst>
+              <a:ext uri="{FF2B5EF4-FFF2-40B4-BE49-F238E27FC236}">
+                <a16:creationId xmlns:a16="http://schemas.microsoft.com/office/drawing/2014/main" id="{6AD75731-5C13-3E2A-17A2-75FAE9F39D19}"/>
               </a:ext>
             </a:extLst>
           </p:cNvPr>
@@ -3546,16 +3501,14 @@
         </p:nvSpPr>
         <p:spPr>
           <a:xfrm>
-            <a:off x="8695033" y="2191263"/>
+            <a:off x="6706282" y="2191263"/>
             <a:ext cx="1550773" cy="2475473"/>
           </a:xfrm>
           <a:prstGeom prst="rect">
             <a:avLst/>
           </a:prstGeom>
           <a:solidFill>
-            <a:schemeClr val="accent6">
-              <a:lumMod val="75000"/>
-            </a:schemeClr>
+            <a:srgbClr val="EF2F20"/>
           </a:solidFill>
           <a:ln>
             <a:noFill/>
@@ -3578,23 +3531,28 @@
           </a:fontRef>
         </p:style>
         <p:txBody>
-          <a:bodyPr rtlCol="0" anchor="ctr"/>
+          <a:bodyPr rot="0" spcFirstLastPara="0" vertOverflow="overflow" horzOverflow="overflow" vert="horz" wrap="square" lIns="91440" tIns="45720" rIns="91440" bIns="45720" numCol="1" spcCol="0" rtlCol="0" fromWordArt="0" anchor="ctr" anchorCtr="0" forceAA="0" compatLnSpc="1">
+            <a:prstTxWarp prst="textNoShape">
+              <a:avLst/>
+            </a:prstTxWarp>
+            <a:noAutofit/>
+          </a:bodyPr>
           <a:lstStyle/>
           <a:p>
             <a:pPr algn="ctr"/>
             <a:r>
-              <a:rPr lang="en-AU" dirty="0"/>
-              <a:t>Model</a:t>
-            </a:r>
-          </a:p>
-        </p:txBody>
-      </p:sp>
-      <p:sp>
-        <p:nvSpPr>
-          <p:cNvPr id="8" name="Rectangle 7">
-            <a:extLst>
-              <a:ext uri="{FF2B5EF4-FFF2-40B4-BE49-F238E27FC236}">
-                <a16:creationId xmlns:a16="http://schemas.microsoft.com/office/drawing/2014/main" id="{9ABE7D64-089A-9A37-A94D-72B957431DD9}"/>
+              <a:rPr lang="en-AU" sz="2400" dirty="0"/>
+              <a:t>Controller</a:t>
+            </a:r>
+          </a:p>
+        </p:txBody>
+      </p:sp>
+      <p:sp>
+        <p:nvSpPr>
+          <p:cNvPr id="7" name="Rectangle 6">
+            <a:extLst>
+              <a:ext uri="{FF2B5EF4-FFF2-40B4-BE49-F238E27FC236}">
+                <a16:creationId xmlns:a16="http://schemas.microsoft.com/office/drawing/2014/main" id="{4ED9ADB2-1B3C-2176-AC9E-9B34D1B5490D}"/>
               </a:ext>
             </a:extLst>
           </p:cNvPr>
@@ -3603,176 +3561,14 @@
         </p:nvSpPr>
         <p:spPr>
           <a:xfrm>
-            <a:off x="3504170" y="2191265"/>
-            <a:ext cx="1550773" cy="2475471"/>
-          </a:xfrm>
-          <a:prstGeom prst="rect">
-            <a:avLst/>
-          </a:prstGeom>
-          <a:ln>
-            <a:noFill/>
-          </a:ln>
-        </p:spPr>
-        <p:style>
-          <a:lnRef idx="2">
-            <a:schemeClr val="accent1">
-              <a:shade val="50000"/>
-            </a:schemeClr>
-          </a:lnRef>
-          <a:fillRef idx="1">
-            <a:schemeClr val="accent1"/>
-          </a:fillRef>
-          <a:effectRef idx="0">
-            <a:schemeClr val="accent1"/>
-          </a:effectRef>
-          <a:fontRef idx="minor">
-            <a:schemeClr val="lt1"/>
-          </a:fontRef>
-        </p:style>
-        <p:txBody>
-          <a:bodyPr rtlCol="0" anchor="ctr"/>
-          <a:lstStyle/>
-          <a:p>
-            <a:pPr algn="ctr"/>
-            <a:r>
-              <a:rPr lang="en-AU" dirty="0" err="1"/>
-              <a:t>Api</a:t>
-            </a:r>
-            <a:r>
-              <a:rPr lang="en-AU" dirty="0"/>
-              <a:t> Class</a:t>
-            </a:r>
-          </a:p>
-        </p:txBody>
-      </p:sp>
-      <p:sp>
-        <p:nvSpPr>
-          <p:cNvPr id="9" name="Rectangle 8">
-            <a:extLst>
-              <a:ext uri="{FF2B5EF4-FFF2-40B4-BE49-F238E27FC236}">
-                <a16:creationId xmlns:a16="http://schemas.microsoft.com/office/drawing/2014/main" id="{F5BC9DC8-5841-E2B0-6B4C-577F6FE67F9F}"/>
-              </a:ext>
-            </a:extLst>
-          </p:cNvPr>
-          <p:cNvSpPr/>
-          <p:nvPr/>
-        </p:nvSpPr>
-        <p:spPr>
-          <a:xfrm>
-            <a:off x="1477146" y="2191264"/>
-            <a:ext cx="1550773" cy="1192427"/>
-          </a:xfrm>
-          <a:prstGeom prst="rect">
-            <a:avLst/>
-          </a:prstGeom>
-          <a:ln>
-            <a:noFill/>
-          </a:ln>
-        </p:spPr>
-        <p:style>
-          <a:lnRef idx="2">
-            <a:schemeClr val="accent1">
-              <a:shade val="50000"/>
-            </a:schemeClr>
-          </a:lnRef>
-          <a:fillRef idx="1">
-            <a:schemeClr val="accent1"/>
-          </a:fillRef>
-          <a:effectRef idx="0">
-            <a:schemeClr val="accent1"/>
-          </a:effectRef>
-          <a:fontRef idx="minor">
-            <a:schemeClr val="lt1"/>
-          </a:fontRef>
-        </p:style>
-        <p:txBody>
-          <a:bodyPr rtlCol="0" anchor="ctr"/>
-          <a:lstStyle/>
-          <a:p>
-            <a:pPr algn="ctr"/>
-            <a:r>
-              <a:rPr lang="en-AU" dirty="0"/>
-              <a:t>Model Class</a:t>
-            </a:r>
-          </a:p>
-        </p:txBody>
-      </p:sp>
-      <p:sp>
-        <p:nvSpPr>
-          <p:cNvPr id="10" name="Rectangle 9">
-            <a:extLst>
-              <a:ext uri="{FF2B5EF4-FFF2-40B4-BE49-F238E27FC236}">
-                <a16:creationId xmlns:a16="http://schemas.microsoft.com/office/drawing/2014/main" id="{AF1D6222-57E0-21F2-CBD4-A9E35E6FBD55}"/>
-              </a:ext>
-            </a:extLst>
-          </p:cNvPr>
-          <p:cNvSpPr/>
-          <p:nvPr/>
-        </p:nvSpPr>
-        <p:spPr>
-          <a:xfrm>
-            <a:off x="1468391" y="3474309"/>
-            <a:ext cx="1550773" cy="1192427"/>
-          </a:xfrm>
-          <a:prstGeom prst="rect">
-            <a:avLst/>
-          </a:prstGeom>
-          <a:ln>
-            <a:noFill/>
-          </a:ln>
-        </p:spPr>
-        <p:style>
-          <a:lnRef idx="2">
-            <a:schemeClr val="accent1">
-              <a:shade val="50000"/>
-            </a:schemeClr>
-          </a:lnRef>
-          <a:fillRef idx="1">
-            <a:schemeClr val="accent1"/>
-          </a:fillRef>
-          <a:effectRef idx="0">
-            <a:schemeClr val="accent1"/>
-          </a:effectRef>
-          <a:fontRef idx="minor">
-            <a:schemeClr val="lt1"/>
-          </a:fontRef>
-        </p:style>
-        <p:txBody>
-          <a:bodyPr rtlCol="0" anchor="ctr"/>
-          <a:lstStyle/>
-          <a:p>
-            <a:pPr algn="ctr"/>
-            <a:r>
-              <a:rPr lang="en-AU" dirty="0"/>
-              <a:t>Collection Class</a:t>
-            </a:r>
-          </a:p>
-        </p:txBody>
-      </p:sp>
-      <p:sp>
-        <p:nvSpPr>
-          <p:cNvPr id="11" name="Rectangle 10">
-            <a:extLst>
-              <a:ext uri="{FF2B5EF4-FFF2-40B4-BE49-F238E27FC236}">
-                <a16:creationId xmlns:a16="http://schemas.microsoft.com/office/drawing/2014/main" id="{5EF294BF-F4DC-019E-1758-BC515C1097A0}"/>
-              </a:ext>
-            </a:extLst>
-          </p:cNvPr>
-          <p:cNvSpPr/>
-          <p:nvPr/>
-        </p:nvSpPr>
-        <p:spPr>
-          <a:xfrm>
-            <a:off x="5492919" y="2191263"/>
-            <a:ext cx="775387" cy="2475473"/>
+            <a:off x="8695033" y="2191263"/>
+            <a:ext cx="1550773" cy="2475473"/>
           </a:xfrm>
           <a:prstGeom prst="rect">
             <a:avLst/>
           </a:prstGeom>
           <a:solidFill>
-            <a:schemeClr val="accent6">
-              <a:lumMod val="75000"/>
-            </a:schemeClr>
+            <a:srgbClr val="EF2F20"/>
           </a:solidFill>
           <a:ln>
             <a:noFill/>
@@ -3795,23 +3591,28 @@
           </a:fontRef>
         </p:style>
         <p:txBody>
-          <a:bodyPr rtlCol="0" anchor="ctr"/>
+          <a:bodyPr rot="0" spcFirstLastPara="0" vertOverflow="overflow" horzOverflow="overflow" vert="horz" wrap="square" lIns="91440" tIns="45720" rIns="91440" bIns="45720" numCol="1" spcCol="0" rtlCol="0" fromWordArt="0" anchor="ctr" anchorCtr="0" forceAA="0" compatLnSpc="1">
+            <a:prstTxWarp prst="textNoShape">
+              <a:avLst/>
+            </a:prstTxWarp>
+            <a:noAutofit/>
+          </a:bodyPr>
           <a:lstStyle/>
           <a:p>
             <a:pPr algn="ctr"/>
             <a:r>
-              <a:rPr lang="en-AU" dirty="0"/>
-              <a:t>Route</a:t>
-            </a:r>
-          </a:p>
-        </p:txBody>
-      </p:sp>
-      <p:sp>
-        <p:nvSpPr>
-          <p:cNvPr id="12" name="Arrow: Left-Right 11">
-            <a:extLst>
-              <a:ext uri="{FF2B5EF4-FFF2-40B4-BE49-F238E27FC236}">
-                <a16:creationId xmlns:a16="http://schemas.microsoft.com/office/drawing/2014/main" id="{A6782C47-5304-60CB-791C-559C8DD8717F}"/>
+              <a:rPr lang="en-AU" sz="2400" dirty="0"/>
+              <a:t>Model</a:t>
+            </a:r>
+          </a:p>
+        </p:txBody>
+      </p:sp>
+      <p:sp>
+        <p:nvSpPr>
+          <p:cNvPr id="8" name="Rectangle 7">
+            <a:extLst>
+              <a:ext uri="{FF2B5EF4-FFF2-40B4-BE49-F238E27FC236}">
+                <a16:creationId xmlns:a16="http://schemas.microsoft.com/office/drawing/2014/main" id="{9ABE7D64-089A-9A37-A94D-72B957431DD9}"/>
               </a:ext>
             </a:extLst>
           </p:cNvPr>
@@ -3820,65 +3621,14 @@
         </p:nvSpPr>
         <p:spPr>
           <a:xfrm>
-            <a:off x="5053054" y="3314699"/>
-            <a:ext cx="441754" cy="228600"/>
+            <a:off x="3504170" y="2191265"/>
+            <a:ext cx="1550773" cy="2475471"/>
           </a:xfrm>
-          <a:prstGeom prst="leftRightArrow">
-            <a:avLst/>
-          </a:prstGeom>
-          <a:ln>
-            <a:noFill/>
-          </a:ln>
-        </p:spPr>
-        <p:style>
-          <a:lnRef idx="2">
-            <a:schemeClr val="accent1">
-              <a:shade val="50000"/>
-            </a:schemeClr>
-          </a:lnRef>
-          <a:fillRef idx="1">
-            <a:schemeClr val="accent1"/>
-          </a:fillRef>
-          <a:effectRef idx="0">
-            <a:schemeClr val="accent1"/>
-          </a:effectRef>
-          <a:fontRef idx="minor">
-            <a:schemeClr val="lt1"/>
-          </a:fontRef>
-        </p:style>
-        <p:txBody>
-          <a:bodyPr rtlCol="0" anchor="ctr"/>
-          <a:lstStyle/>
-          <a:p>
-            <a:pPr algn="ctr"/>
-            <a:endParaRPr lang="en-AU"/>
-          </a:p>
-        </p:txBody>
-      </p:sp>
-      <p:sp>
-        <p:nvSpPr>
-          <p:cNvPr id="13" name="Arrow: Left-Right 12">
-            <a:extLst>
-              <a:ext uri="{FF2B5EF4-FFF2-40B4-BE49-F238E27FC236}">
-                <a16:creationId xmlns:a16="http://schemas.microsoft.com/office/drawing/2014/main" id="{4225121F-493F-CC30-D041-D96BC69FF7DE}"/>
-              </a:ext>
-            </a:extLst>
-          </p:cNvPr>
-          <p:cNvSpPr/>
-          <p:nvPr/>
-        </p:nvSpPr>
-        <p:spPr>
-          <a:xfrm>
-            <a:off x="6266417" y="3314699"/>
-            <a:ext cx="441754" cy="228600"/>
-          </a:xfrm>
-          <a:prstGeom prst="leftRightArrow">
+          <a:prstGeom prst="rect">
             <a:avLst/>
           </a:prstGeom>
           <a:solidFill>
-            <a:schemeClr val="accent6">
-              <a:lumMod val="75000"/>
-            </a:schemeClr>
+            <a:srgbClr val="00BD82"/>
           </a:solidFill>
           <a:ln>
             <a:noFill/>
@@ -3901,20 +3651,32 @@
           </a:fontRef>
         </p:style>
         <p:txBody>
-          <a:bodyPr rtlCol="0" anchor="ctr"/>
+          <a:bodyPr rot="0" spcFirstLastPara="0" vertOverflow="overflow" horzOverflow="overflow" vert="horz" wrap="square" lIns="91440" tIns="45720" rIns="91440" bIns="45720" numCol="1" spcCol="0" rtlCol="0" fromWordArt="0" anchor="ctr" anchorCtr="0" forceAA="0" compatLnSpc="1">
+            <a:prstTxWarp prst="textNoShape">
+              <a:avLst/>
+            </a:prstTxWarp>
+            <a:noAutofit/>
+          </a:bodyPr>
           <a:lstStyle/>
           <a:p>
             <a:pPr algn="ctr"/>
-            <a:endParaRPr lang="en-AU"/>
-          </a:p>
-        </p:txBody>
-      </p:sp>
-      <p:sp>
-        <p:nvSpPr>
-          <p:cNvPr id="14" name="Arrow: Left-Right 13">
-            <a:extLst>
-              <a:ext uri="{FF2B5EF4-FFF2-40B4-BE49-F238E27FC236}">
-                <a16:creationId xmlns:a16="http://schemas.microsoft.com/office/drawing/2014/main" id="{355DAF21-2AA6-4B75-FF37-12B6725A7FF2}"/>
+            <a:r>
+              <a:rPr lang="en-AU" sz="2400" dirty="0" err="1"/>
+              <a:t>Api</a:t>
+            </a:r>
+            <a:r>
+              <a:rPr lang="en-AU" sz="2400" dirty="0"/>
+              <a:t> Class</a:t>
+            </a:r>
+          </a:p>
+        </p:txBody>
+      </p:sp>
+      <p:sp>
+        <p:nvSpPr>
+          <p:cNvPr id="9" name="Rectangle 8">
+            <a:extLst>
+              <a:ext uri="{FF2B5EF4-FFF2-40B4-BE49-F238E27FC236}">
+                <a16:creationId xmlns:a16="http://schemas.microsoft.com/office/drawing/2014/main" id="{F5BC9DC8-5841-E2B0-6B4C-577F6FE67F9F}"/>
               </a:ext>
             </a:extLst>
           </p:cNvPr>
@@ -3923,16 +3685,14 @@
         </p:nvSpPr>
         <p:spPr>
           <a:xfrm>
-            <a:off x="8255166" y="3245709"/>
-            <a:ext cx="441754" cy="228600"/>
+            <a:off x="1477146" y="2191264"/>
+            <a:ext cx="1550773" cy="1192427"/>
           </a:xfrm>
-          <a:prstGeom prst="leftRightArrow">
+          <a:prstGeom prst="rect">
             <a:avLst/>
           </a:prstGeom>
           <a:solidFill>
-            <a:schemeClr val="accent6">
-              <a:lumMod val="75000"/>
-            </a:schemeClr>
+            <a:srgbClr val="00BD82"/>
           </a:solidFill>
           <a:ln>
             <a:noFill/>
@@ -3955,20 +3715,28 @@
           </a:fontRef>
         </p:style>
         <p:txBody>
-          <a:bodyPr rtlCol="0" anchor="ctr"/>
+          <a:bodyPr rot="0" spcFirstLastPara="0" vertOverflow="overflow" horzOverflow="overflow" vert="horz" wrap="square" lIns="91440" tIns="45720" rIns="91440" bIns="45720" numCol="1" spcCol="0" rtlCol="0" fromWordArt="0" anchor="ctr" anchorCtr="0" forceAA="0" compatLnSpc="1">
+            <a:prstTxWarp prst="textNoShape">
+              <a:avLst/>
+            </a:prstTxWarp>
+            <a:noAutofit/>
+          </a:bodyPr>
           <a:lstStyle/>
           <a:p>
             <a:pPr algn="ctr"/>
-            <a:endParaRPr lang="en-AU"/>
-          </a:p>
-        </p:txBody>
-      </p:sp>
-      <p:sp>
-        <p:nvSpPr>
-          <p:cNvPr id="15" name="Arrow: Left-Right 14">
-            <a:extLst>
-              <a:ext uri="{FF2B5EF4-FFF2-40B4-BE49-F238E27FC236}">
-                <a16:creationId xmlns:a16="http://schemas.microsoft.com/office/drawing/2014/main" id="{83739EE6-2261-C920-42E2-4402EF17CA67}"/>
+            <a:r>
+              <a:rPr lang="en-AU" sz="2400" dirty="0"/>
+              <a:t>Model Class</a:t>
+            </a:r>
+          </a:p>
+        </p:txBody>
+      </p:sp>
+      <p:sp>
+        <p:nvSpPr>
+          <p:cNvPr id="10" name="Rectangle 9">
+            <a:extLst>
+              <a:ext uri="{FF2B5EF4-FFF2-40B4-BE49-F238E27FC236}">
+                <a16:creationId xmlns:a16="http://schemas.microsoft.com/office/drawing/2014/main" id="{AF1D6222-57E0-21F2-CBD4-A9E35E6FBD55}"/>
               </a:ext>
             </a:extLst>
           </p:cNvPr>
@@ -3977,12 +3745,15 @@
         </p:nvSpPr>
         <p:spPr>
           <a:xfrm>
-            <a:off x="3047144" y="2673177"/>
-            <a:ext cx="441754" cy="228600"/>
+            <a:off x="1468391" y="3474309"/>
+            <a:ext cx="1550773" cy="1192427"/>
           </a:xfrm>
-          <a:prstGeom prst="leftRightArrow">
+          <a:prstGeom prst="rect">
             <a:avLst/>
           </a:prstGeom>
+          <a:solidFill>
+            <a:srgbClr val="00BD82"/>
+          </a:solidFill>
           <a:ln>
             <a:noFill/>
           </a:ln>
@@ -4004,20 +3775,28 @@
           </a:fontRef>
         </p:style>
         <p:txBody>
-          <a:bodyPr rtlCol="0" anchor="ctr"/>
+          <a:bodyPr rot="0" spcFirstLastPara="0" vertOverflow="overflow" horzOverflow="overflow" vert="horz" wrap="square" lIns="91440" tIns="45720" rIns="91440" bIns="45720" numCol="1" spcCol="0" rtlCol="0" fromWordArt="0" anchor="ctr" anchorCtr="0" forceAA="0" compatLnSpc="1">
+            <a:prstTxWarp prst="textNoShape">
+              <a:avLst/>
+            </a:prstTxWarp>
+            <a:noAutofit/>
+          </a:bodyPr>
           <a:lstStyle/>
           <a:p>
             <a:pPr algn="ctr"/>
-            <a:endParaRPr lang="en-AU"/>
-          </a:p>
-        </p:txBody>
-      </p:sp>
-      <p:sp>
-        <p:nvSpPr>
-          <p:cNvPr id="16" name="Arrow: Left-Right 15">
-            <a:extLst>
-              <a:ext uri="{FF2B5EF4-FFF2-40B4-BE49-F238E27FC236}">
-                <a16:creationId xmlns:a16="http://schemas.microsoft.com/office/drawing/2014/main" id="{C965DA22-ED1D-732B-24D8-76203B52B9EF}"/>
+            <a:r>
+              <a:rPr lang="en-AU" sz="2400" dirty="0"/>
+              <a:t>Collection Class</a:t>
+            </a:r>
+          </a:p>
+        </p:txBody>
+      </p:sp>
+      <p:sp>
+        <p:nvSpPr>
+          <p:cNvPr id="11" name="Rectangle 10">
+            <a:extLst>
+              <a:ext uri="{FF2B5EF4-FFF2-40B4-BE49-F238E27FC236}">
+                <a16:creationId xmlns:a16="http://schemas.microsoft.com/office/drawing/2014/main" id="{5EF294BF-F4DC-019E-1758-BC515C1097A0}"/>
               </a:ext>
             </a:extLst>
           </p:cNvPr>
@@ -4026,12 +3805,15 @@
         </p:nvSpPr>
         <p:spPr>
           <a:xfrm>
-            <a:off x="3058127" y="3841924"/>
-            <a:ext cx="441754" cy="228600"/>
+            <a:off x="5492919" y="2191263"/>
+            <a:ext cx="775387" cy="2475473"/>
           </a:xfrm>
-          <a:prstGeom prst="leftRightArrow">
+          <a:prstGeom prst="rect">
             <a:avLst/>
           </a:prstGeom>
+          <a:solidFill>
+            <a:srgbClr val="EF2F20"/>
+          </a:solidFill>
           <a:ln>
             <a:noFill/>
           </a:ln>
@@ -4053,11 +3835,304 @@
           </a:fontRef>
         </p:style>
         <p:txBody>
-          <a:bodyPr rtlCol="0" anchor="ctr"/>
+          <a:bodyPr rot="0" spcFirstLastPara="0" vertOverflow="overflow" horzOverflow="overflow" vert="horz" wrap="square" lIns="91440" tIns="45720" rIns="91440" bIns="45720" numCol="1" spcCol="0" rtlCol="0" fromWordArt="0" anchor="ctr" anchorCtr="0" forceAA="0" compatLnSpc="1">
+            <a:prstTxWarp prst="textNoShape">
+              <a:avLst/>
+            </a:prstTxWarp>
+            <a:noAutofit/>
+          </a:bodyPr>
           <a:lstStyle/>
           <a:p>
             <a:pPr algn="ctr"/>
-            <a:endParaRPr lang="en-AU"/>
+            <a:r>
+              <a:rPr lang="en-AU" dirty="0"/>
+              <a:t>Route</a:t>
+            </a:r>
+          </a:p>
+        </p:txBody>
+      </p:sp>
+      <p:sp>
+        <p:nvSpPr>
+          <p:cNvPr id="12" name="Arrow: Left-Right 11">
+            <a:extLst>
+              <a:ext uri="{FF2B5EF4-FFF2-40B4-BE49-F238E27FC236}">
+                <a16:creationId xmlns:a16="http://schemas.microsoft.com/office/drawing/2014/main" id="{A6782C47-5304-60CB-791C-559C8DD8717F}"/>
+              </a:ext>
+            </a:extLst>
+          </p:cNvPr>
+          <p:cNvSpPr/>
+          <p:nvPr/>
+        </p:nvSpPr>
+        <p:spPr>
+          <a:xfrm>
+            <a:off x="5053054" y="3314699"/>
+            <a:ext cx="441754" cy="228600"/>
+          </a:xfrm>
+          <a:prstGeom prst="leftRightArrow">
+            <a:avLst/>
+          </a:prstGeom>
+          <a:solidFill>
+            <a:srgbClr val="3E5467"/>
+          </a:solidFill>
+          <a:ln>
+            <a:noFill/>
+          </a:ln>
+        </p:spPr>
+        <p:style>
+          <a:lnRef idx="2">
+            <a:schemeClr val="accent1">
+              <a:shade val="50000"/>
+            </a:schemeClr>
+          </a:lnRef>
+          <a:fillRef idx="1">
+            <a:schemeClr val="accent1"/>
+          </a:fillRef>
+          <a:effectRef idx="0">
+            <a:schemeClr val="accent1"/>
+          </a:effectRef>
+          <a:fontRef idx="minor">
+            <a:schemeClr val="lt1"/>
+          </a:fontRef>
+        </p:style>
+        <p:txBody>
+          <a:bodyPr rot="0" spcFirstLastPara="0" vertOverflow="overflow" horzOverflow="overflow" vert="horz" wrap="square" lIns="91440" tIns="45720" rIns="91440" bIns="45720" numCol="1" spcCol="0" rtlCol="0" fromWordArt="0" anchor="ctr" anchorCtr="0" forceAA="0" compatLnSpc="1">
+            <a:prstTxWarp prst="textNoShape">
+              <a:avLst/>
+            </a:prstTxWarp>
+            <a:noAutofit/>
+          </a:bodyPr>
+          <a:lstStyle/>
+          <a:p>
+            <a:pPr algn="ctr"/>
+            <a:endParaRPr lang="en-AU" sz="2400"/>
+          </a:p>
+        </p:txBody>
+      </p:sp>
+      <p:sp>
+        <p:nvSpPr>
+          <p:cNvPr id="13" name="Arrow: Left-Right 12">
+            <a:extLst>
+              <a:ext uri="{FF2B5EF4-FFF2-40B4-BE49-F238E27FC236}">
+                <a16:creationId xmlns:a16="http://schemas.microsoft.com/office/drawing/2014/main" id="{4225121F-493F-CC30-D041-D96BC69FF7DE}"/>
+              </a:ext>
+            </a:extLst>
+          </p:cNvPr>
+          <p:cNvSpPr/>
+          <p:nvPr/>
+        </p:nvSpPr>
+        <p:spPr>
+          <a:xfrm>
+            <a:off x="6266417" y="3314699"/>
+            <a:ext cx="441754" cy="228600"/>
+          </a:xfrm>
+          <a:prstGeom prst="leftRightArrow">
+            <a:avLst/>
+          </a:prstGeom>
+          <a:solidFill>
+            <a:srgbClr val="3E5467"/>
+          </a:solidFill>
+          <a:ln>
+            <a:noFill/>
+          </a:ln>
+        </p:spPr>
+        <p:style>
+          <a:lnRef idx="2">
+            <a:schemeClr val="accent1">
+              <a:shade val="50000"/>
+            </a:schemeClr>
+          </a:lnRef>
+          <a:fillRef idx="1">
+            <a:schemeClr val="accent1"/>
+          </a:fillRef>
+          <a:effectRef idx="0">
+            <a:schemeClr val="accent1"/>
+          </a:effectRef>
+          <a:fontRef idx="minor">
+            <a:schemeClr val="lt1"/>
+          </a:fontRef>
+        </p:style>
+        <p:txBody>
+          <a:bodyPr rot="0" spcFirstLastPara="0" vertOverflow="overflow" horzOverflow="overflow" vert="horz" wrap="square" lIns="91440" tIns="45720" rIns="91440" bIns="45720" numCol="1" spcCol="0" rtlCol="0" fromWordArt="0" anchor="ctr" anchorCtr="0" forceAA="0" compatLnSpc="1">
+            <a:prstTxWarp prst="textNoShape">
+              <a:avLst/>
+            </a:prstTxWarp>
+            <a:noAutofit/>
+          </a:bodyPr>
+          <a:lstStyle/>
+          <a:p>
+            <a:pPr algn="ctr"/>
+            <a:endParaRPr lang="en-AU" sz="2400"/>
+          </a:p>
+        </p:txBody>
+      </p:sp>
+      <p:sp>
+        <p:nvSpPr>
+          <p:cNvPr id="14" name="Arrow: Left-Right 13">
+            <a:extLst>
+              <a:ext uri="{FF2B5EF4-FFF2-40B4-BE49-F238E27FC236}">
+                <a16:creationId xmlns:a16="http://schemas.microsoft.com/office/drawing/2014/main" id="{355DAF21-2AA6-4B75-FF37-12B6725A7FF2}"/>
+              </a:ext>
+            </a:extLst>
+          </p:cNvPr>
+          <p:cNvSpPr/>
+          <p:nvPr/>
+        </p:nvSpPr>
+        <p:spPr>
+          <a:xfrm>
+            <a:off x="8255166" y="3245709"/>
+            <a:ext cx="441754" cy="228600"/>
+          </a:xfrm>
+          <a:prstGeom prst="leftRightArrow">
+            <a:avLst/>
+          </a:prstGeom>
+          <a:solidFill>
+            <a:srgbClr val="3E5467"/>
+          </a:solidFill>
+          <a:ln>
+            <a:noFill/>
+          </a:ln>
+        </p:spPr>
+        <p:style>
+          <a:lnRef idx="2">
+            <a:schemeClr val="accent1">
+              <a:shade val="50000"/>
+            </a:schemeClr>
+          </a:lnRef>
+          <a:fillRef idx="1">
+            <a:schemeClr val="accent1"/>
+          </a:fillRef>
+          <a:effectRef idx="0">
+            <a:schemeClr val="accent1"/>
+          </a:effectRef>
+          <a:fontRef idx="minor">
+            <a:schemeClr val="lt1"/>
+          </a:fontRef>
+        </p:style>
+        <p:txBody>
+          <a:bodyPr rot="0" spcFirstLastPara="0" vertOverflow="overflow" horzOverflow="overflow" vert="horz" wrap="square" lIns="91440" tIns="45720" rIns="91440" bIns="45720" numCol="1" spcCol="0" rtlCol="0" fromWordArt="0" anchor="ctr" anchorCtr="0" forceAA="0" compatLnSpc="1">
+            <a:prstTxWarp prst="textNoShape">
+              <a:avLst/>
+            </a:prstTxWarp>
+            <a:noAutofit/>
+          </a:bodyPr>
+          <a:lstStyle/>
+          <a:p>
+            <a:pPr algn="ctr"/>
+            <a:endParaRPr lang="en-AU" sz="2400"/>
+          </a:p>
+        </p:txBody>
+      </p:sp>
+      <p:sp>
+        <p:nvSpPr>
+          <p:cNvPr id="15" name="Arrow: Left-Right 14">
+            <a:extLst>
+              <a:ext uri="{FF2B5EF4-FFF2-40B4-BE49-F238E27FC236}">
+                <a16:creationId xmlns:a16="http://schemas.microsoft.com/office/drawing/2014/main" id="{83739EE6-2261-C920-42E2-4402EF17CA67}"/>
+              </a:ext>
+            </a:extLst>
+          </p:cNvPr>
+          <p:cNvSpPr/>
+          <p:nvPr/>
+        </p:nvSpPr>
+        <p:spPr>
+          <a:xfrm>
+            <a:off x="3047144" y="2673177"/>
+            <a:ext cx="441754" cy="228600"/>
+          </a:xfrm>
+          <a:prstGeom prst="leftRightArrow">
+            <a:avLst/>
+          </a:prstGeom>
+          <a:solidFill>
+            <a:srgbClr val="3E5467"/>
+          </a:solidFill>
+          <a:ln>
+            <a:noFill/>
+          </a:ln>
+        </p:spPr>
+        <p:style>
+          <a:lnRef idx="2">
+            <a:schemeClr val="accent1">
+              <a:shade val="50000"/>
+            </a:schemeClr>
+          </a:lnRef>
+          <a:fillRef idx="1">
+            <a:schemeClr val="accent1"/>
+          </a:fillRef>
+          <a:effectRef idx="0">
+            <a:schemeClr val="accent1"/>
+          </a:effectRef>
+          <a:fontRef idx="minor">
+            <a:schemeClr val="lt1"/>
+          </a:fontRef>
+        </p:style>
+        <p:txBody>
+          <a:bodyPr rot="0" spcFirstLastPara="0" vertOverflow="overflow" horzOverflow="overflow" vert="horz" wrap="square" lIns="91440" tIns="45720" rIns="91440" bIns="45720" numCol="1" spcCol="0" rtlCol="0" fromWordArt="0" anchor="ctr" anchorCtr="0" forceAA="0" compatLnSpc="1">
+            <a:prstTxWarp prst="textNoShape">
+              <a:avLst/>
+            </a:prstTxWarp>
+            <a:noAutofit/>
+          </a:bodyPr>
+          <a:lstStyle/>
+          <a:p>
+            <a:pPr algn="ctr"/>
+            <a:endParaRPr lang="en-AU" sz="2400"/>
+          </a:p>
+        </p:txBody>
+      </p:sp>
+      <p:sp>
+        <p:nvSpPr>
+          <p:cNvPr id="16" name="Arrow: Left-Right 15">
+            <a:extLst>
+              <a:ext uri="{FF2B5EF4-FFF2-40B4-BE49-F238E27FC236}">
+                <a16:creationId xmlns:a16="http://schemas.microsoft.com/office/drawing/2014/main" id="{C965DA22-ED1D-732B-24D8-76203B52B9EF}"/>
+              </a:ext>
+            </a:extLst>
+          </p:cNvPr>
+          <p:cNvSpPr/>
+          <p:nvPr/>
+        </p:nvSpPr>
+        <p:spPr>
+          <a:xfrm>
+            <a:off x="3058127" y="3841924"/>
+            <a:ext cx="441754" cy="228600"/>
+          </a:xfrm>
+          <a:prstGeom prst="leftRightArrow">
+            <a:avLst/>
+          </a:prstGeom>
+          <a:solidFill>
+            <a:srgbClr val="3E5467"/>
+          </a:solidFill>
+          <a:ln>
+            <a:noFill/>
+          </a:ln>
+        </p:spPr>
+        <p:style>
+          <a:lnRef idx="2">
+            <a:schemeClr val="accent1">
+              <a:shade val="50000"/>
+            </a:schemeClr>
+          </a:lnRef>
+          <a:fillRef idx="1">
+            <a:schemeClr val="accent1"/>
+          </a:fillRef>
+          <a:effectRef idx="0">
+            <a:schemeClr val="accent1"/>
+          </a:effectRef>
+          <a:fontRef idx="minor">
+            <a:schemeClr val="lt1"/>
+          </a:fontRef>
+        </p:style>
+        <p:txBody>
+          <a:bodyPr rot="0" spcFirstLastPara="0" vertOverflow="overflow" horzOverflow="overflow" vert="horz" wrap="square" lIns="91440" tIns="45720" rIns="91440" bIns="45720" numCol="1" spcCol="0" rtlCol="0" fromWordArt="0" anchor="ctr" anchorCtr="0" forceAA="0" compatLnSpc="1">
+            <a:prstTxWarp prst="textNoShape">
+              <a:avLst/>
+            </a:prstTxWarp>
+            <a:noAutofit/>
+          </a:bodyPr>
+          <a:lstStyle/>
+          <a:p>
+            <a:pPr algn="ctr"/>
+            <a:endParaRPr lang="en-AU" sz="2400"/>
           </a:p>
         </p:txBody>
       </p:sp>
@@ -4091,6 +4166,1724 @@
           <a:chExt cx="0" cy="0"/>
         </a:xfrm>
       </p:grpSpPr>
+      <p:sp>
+        <p:nvSpPr>
+          <p:cNvPr id="4" name="Rectangle 3">
+            <a:extLst>
+              <a:ext uri="{FF2B5EF4-FFF2-40B4-BE49-F238E27FC236}">
+                <a16:creationId xmlns:a16="http://schemas.microsoft.com/office/drawing/2014/main" id="{F6F153FF-950A-84AE-C669-E746E9F9FC74}"/>
+              </a:ext>
+            </a:extLst>
+          </p:cNvPr>
+          <p:cNvSpPr/>
+          <p:nvPr/>
+        </p:nvSpPr>
+        <p:spPr>
+          <a:xfrm>
+            <a:off x="527886" y="1045736"/>
+            <a:ext cx="1389647" cy="757989"/>
+          </a:xfrm>
+          <a:prstGeom prst="rect">
+            <a:avLst/>
+          </a:prstGeom>
+          <a:solidFill>
+            <a:srgbClr val="00BD82"/>
+          </a:solidFill>
+          <a:ln>
+            <a:noFill/>
+          </a:ln>
+        </p:spPr>
+        <p:style>
+          <a:lnRef idx="2">
+            <a:schemeClr val="accent1">
+              <a:shade val="50000"/>
+            </a:schemeClr>
+          </a:lnRef>
+          <a:fillRef idx="1">
+            <a:schemeClr val="accent1"/>
+          </a:fillRef>
+          <a:effectRef idx="0">
+            <a:schemeClr val="accent1"/>
+          </a:effectRef>
+          <a:fontRef idx="minor">
+            <a:schemeClr val="lt1"/>
+          </a:fontRef>
+        </p:style>
+        <p:txBody>
+          <a:bodyPr rot="0" spcFirstLastPara="0" vertOverflow="overflow" horzOverflow="overflow" vert="horz" wrap="square" lIns="91440" tIns="45720" rIns="91440" bIns="45720" numCol="1" spcCol="0" rtlCol="0" fromWordArt="0" anchor="ctr" anchorCtr="0" forceAA="0" compatLnSpc="1">
+            <a:prstTxWarp prst="textNoShape">
+              <a:avLst/>
+            </a:prstTxWarp>
+            <a:noAutofit/>
+          </a:bodyPr>
+          <a:lstStyle/>
+          <a:p>
+            <a:pPr algn="ctr"/>
+            <a:r>
+              <a:rPr lang="en-AU" dirty="0"/>
+              <a:t>Model Class</a:t>
+            </a:r>
+          </a:p>
+        </p:txBody>
+      </p:sp>
+      <p:sp>
+        <p:nvSpPr>
+          <p:cNvPr id="5" name="Rectangle 4">
+            <a:extLst>
+              <a:ext uri="{FF2B5EF4-FFF2-40B4-BE49-F238E27FC236}">
+                <a16:creationId xmlns:a16="http://schemas.microsoft.com/office/drawing/2014/main" id="{7341EA82-2212-178F-7B8B-4870F22301C8}"/>
+              </a:ext>
+            </a:extLst>
+          </p:cNvPr>
+          <p:cNvSpPr/>
+          <p:nvPr/>
+        </p:nvSpPr>
+        <p:spPr>
+          <a:xfrm>
+            <a:off x="2613108" y="1045736"/>
+            <a:ext cx="1389647" cy="757989"/>
+          </a:xfrm>
+          <a:prstGeom prst="rect">
+            <a:avLst/>
+          </a:prstGeom>
+          <a:solidFill>
+            <a:srgbClr val="00BD82"/>
+          </a:solidFill>
+          <a:ln>
+            <a:noFill/>
+          </a:ln>
+        </p:spPr>
+        <p:style>
+          <a:lnRef idx="2">
+            <a:schemeClr val="accent1">
+              <a:shade val="50000"/>
+            </a:schemeClr>
+          </a:lnRef>
+          <a:fillRef idx="1">
+            <a:schemeClr val="accent1"/>
+          </a:fillRef>
+          <a:effectRef idx="0">
+            <a:schemeClr val="accent1"/>
+          </a:effectRef>
+          <a:fontRef idx="minor">
+            <a:schemeClr val="lt1"/>
+          </a:fontRef>
+        </p:style>
+        <p:txBody>
+          <a:bodyPr rot="0" spcFirstLastPara="0" vertOverflow="overflow" horzOverflow="overflow" vert="horz" wrap="square" lIns="91440" tIns="45720" rIns="91440" bIns="45720" numCol="1" spcCol="0" rtlCol="0" fromWordArt="0" anchor="ctr" anchorCtr="0" forceAA="0" compatLnSpc="1">
+            <a:prstTxWarp prst="textNoShape">
+              <a:avLst/>
+            </a:prstTxWarp>
+            <a:noAutofit/>
+          </a:bodyPr>
+          <a:lstStyle/>
+          <a:p>
+            <a:pPr algn="ctr"/>
+            <a:r>
+              <a:rPr lang="en-AU" dirty="0" err="1"/>
+              <a:t>Api</a:t>
+            </a:r>
+            <a:r>
+              <a:rPr lang="en-AU" dirty="0"/>
+              <a:t> Class</a:t>
+            </a:r>
+          </a:p>
+        </p:txBody>
+      </p:sp>
+      <p:sp>
+        <p:nvSpPr>
+          <p:cNvPr id="6" name="Rectangle 5">
+            <a:extLst>
+              <a:ext uri="{FF2B5EF4-FFF2-40B4-BE49-F238E27FC236}">
+                <a16:creationId xmlns:a16="http://schemas.microsoft.com/office/drawing/2014/main" id="{B86CF46D-9929-EC4E-567C-4B7745F7C28F}"/>
+              </a:ext>
+            </a:extLst>
+          </p:cNvPr>
+          <p:cNvSpPr/>
+          <p:nvPr/>
+        </p:nvSpPr>
+        <p:spPr>
+          <a:xfrm>
+            <a:off x="4698330" y="1045736"/>
+            <a:ext cx="1389647" cy="757989"/>
+          </a:xfrm>
+          <a:prstGeom prst="rect">
+            <a:avLst/>
+          </a:prstGeom>
+          <a:solidFill>
+            <a:srgbClr val="EF2F20"/>
+          </a:solidFill>
+          <a:ln>
+            <a:noFill/>
+          </a:ln>
+        </p:spPr>
+        <p:style>
+          <a:lnRef idx="2">
+            <a:schemeClr val="accent1">
+              <a:shade val="50000"/>
+            </a:schemeClr>
+          </a:lnRef>
+          <a:fillRef idx="1">
+            <a:schemeClr val="accent1"/>
+          </a:fillRef>
+          <a:effectRef idx="0">
+            <a:schemeClr val="accent1"/>
+          </a:effectRef>
+          <a:fontRef idx="minor">
+            <a:schemeClr val="lt1"/>
+          </a:fontRef>
+        </p:style>
+        <p:txBody>
+          <a:bodyPr rot="0" spcFirstLastPara="0" vertOverflow="overflow" horzOverflow="overflow" vert="horz" wrap="square" lIns="91440" tIns="45720" rIns="91440" bIns="45720" numCol="1" spcCol="0" rtlCol="0" fromWordArt="0" anchor="ctr" anchorCtr="0" forceAA="0" compatLnSpc="1">
+            <a:prstTxWarp prst="textNoShape">
+              <a:avLst/>
+            </a:prstTxWarp>
+            <a:noAutofit/>
+          </a:bodyPr>
+          <a:lstStyle/>
+          <a:p>
+            <a:pPr algn="ctr"/>
+            <a:r>
+              <a:rPr lang="en-AU" dirty="0"/>
+              <a:t>Route</a:t>
+            </a:r>
+          </a:p>
+        </p:txBody>
+      </p:sp>
+      <p:sp>
+        <p:nvSpPr>
+          <p:cNvPr id="7" name="Rectangle 6">
+            <a:extLst>
+              <a:ext uri="{FF2B5EF4-FFF2-40B4-BE49-F238E27FC236}">
+                <a16:creationId xmlns:a16="http://schemas.microsoft.com/office/drawing/2014/main" id="{EBE502A5-046E-BAB7-BB75-D2811FE03C30}"/>
+              </a:ext>
+            </a:extLst>
+          </p:cNvPr>
+          <p:cNvSpPr/>
+          <p:nvPr/>
+        </p:nvSpPr>
+        <p:spPr>
+          <a:xfrm>
+            <a:off x="6783552" y="1045736"/>
+            <a:ext cx="1389647" cy="757989"/>
+          </a:xfrm>
+          <a:prstGeom prst="rect">
+            <a:avLst/>
+          </a:prstGeom>
+          <a:solidFill>
+            <a:srgbClr val="EF2F20"/>
+          </a:solidFill>
+          <a:ln>
+            <a:noFill/>
+          </a:ln>
+        </p:spPr>
+        <p:style>
+          <a:lnRef idx="2">
+            <a:schemeClr val="accent1">
+              <a:shade val="50000"/>
+            </a:schemeClr>
+          </a:lnRef>
+          <a:fillRef idx="1">
+            <a:schemeClr val="accent1"/>
+          </a:fillRef>
+          <a:effectRef idx="0">
+            <a:schemeClr val="accent1"/>
+          </a:effectRef>
+          <a:fontRef idx="minor">
+            <a:schemeClr val="lt1"/>
+          </a:fontRef>
+        </p:style>
+        <p:txBody>
+          <a:bodyPr rot="0" spcFirstLastPara="0" vertOverflow="overflow" horzOverflow="overflow" vert="horz" wrap="square" lIns="91440" tIns="45720" rIns="91440" bIns="45720" numCol="1" spcCol="0" rtlCol="0" fromWordArt="0" anchor="ctr" anchorCtr="0" forceAA="0" compatLnSpc="1">
+            <a:prstTxWarp prst="textNoShape">
+              <a:avLst/>
+            </a:prstTxWarp>
+            <a:noAutofit/>
+          </a:bodyPr>
+          <a:lstStyle/>
+          <a:p>
+            <a:pPr algn="ctr"/>
+            <a:r>
+              <a:rPr lang="en-AU" dirty="0"/>
+              <a:t>Controller</a:t>
+            </a:r>
+          </a:p>
+        </p:txBody>
+      </p:sp>
+      <p:sp>
+        <p:nvSpPr>
+          <p:cNvPr id="8" name="Rectangle 7">
+            <a:extLst>
+              <a:ext uri="{FF2B5EF4-FFF2-40B4-BE49-F238E27FC236}">
+                <a16:creationId xmlns:a16="http://schemas.microsoft.com/office/drawing/2014/main" id="{6B100E1C-54B8-E565-4D54-307C4D42E440}"/>
+              </a:ext>
+            </a:extLst>
+          </p:cNvPr>
+          <p:cNvSpPr/>
+          <p:nvPr/>
+        </p:nvSpPr>
+        <p:spPr>
+          <a:xfrm>
+            <a:off x="8868774" y="1045736"/>
+            <a:ext cx="1389647" cy="757989"/>
+          </a:xfrm>
+          <a:prstGeom prst="rect">
+            <a:avLst/>
+          </a:prstGeom>
+          <a:solidFill>
+            <a:srgbClr val="EF2F20"/>
+          </a:solidFill>
+          <a:ln>
+            <a:noFill/>
+          </a:ln>
+        </p:spPr>
+        <p:style>
+          <a:lnRef idx="2">
+            <a:schemeClr val="accent1">
+              <a:shade val="50000"/>
+            </a:schemeClr>
+          </a:lnRef>
+          <a:fillRef idx="1">
+            <a:schemeClr val="accent1"/>
+          </a:fillRef>
+          <a:effectRef idx="0">
+            <a:schemeClr val="accent1"/>
+          </a:effectRef>
+          <a:fontRef idx="minor">
+            <a:schemeClr val="lt1"/>
+          </a:fontRef>
+        </p:style>
+        <p:txBody>
+          <a:bodyPr rot="0" spcFirstLastPara="0" vertOverflow="overflow" horzOverflow="overflow" vert="horz" wrap="square" lIns="91440" tIns="45720" rIns="91440" bIns="45720" numCol="1" spcCol="0" rtlCol="0" fromWordArt="0" anchor="ctr" anchorCtr="0" forceAA="0" compatLnSpc="1">
+            <a:prstTxWarp prst="textNoShape">
+              <a:avLst/>
+            </a:prstTxWarp>
+            <a:noAutofit/>
+          </a:bodyPr>
+          <a:lstStyle/>
+          <a:p>
+            <a:pPr algn="ctr"/>
+            <a:r>
+              <a:rPr lang="en-AU" dirty="0"/>
+              <a:t>Model</a:t>
+            </a:r>
+          </a:p>
+        </p:txBody>
+      </p:sp>
+      <p:grpSp>
+        <p:nvGrpSpPr>
+          <p:cNvPr id="19" name="Group 18">
+            <a:extLst>
+              <a:ext uri="{FF2B5EF4-FFF2-40B4-BE49-F238E27FC236}">
+                <a16:creationId xmlns:a16="http://schemas.microsoft.com/office/drawing/2014/main" id="{45E8EF79-3869-DF33-1140-CA1123BF2349}"/>
+              </a:ext>
+            </a:extLst>
+          </p:cNvPr>
+          <p:cNvGrpSpPr/>
+          <p:nvPr/>
+        </p:nvGrpSpPr>
+        <p:grpSpPr>
+          <a:xfrm>
+            <a:off x="2042736" y="1172569"/>
+            <a:ext cx="445169" cy="504323"/>
+            <a:chOff x="2078705" y="1111913"/>
+            <a:chExt cx="445169" cy="504323"/>
+          </a:xfrm>
+        </p:grpSpPr>
+        <p:sp>
+          <p:nvSpPr>
+            <p:cNvPr id="11" name="Arrow: Right 10">
+              <a:extLst>
+                <a:ext uri="{FF2B5EF4-FFF2-40B4-BE49-F238E27FC236}">
+                  <a16:creationId xmlns:a16="http://schemas.microsoft.com/office/drawing/2014/main" id="{5967AA0B-1EAB-8E51-CE7F-DD0953C661F9}"/>
+                </a:ext>
+              </a:extLst>
+            </p:cNvPr>
+            <p:cNvSpPr/>
+            <p:nvPr/>
+          </p:nvSpPr>
+          <p:spPr>
+            <a:xfrm>
+              <a:off x="2078705" y="1111913"/>
+              <a:ext cx="445169" cy="186490"/>
+            </a:xfrm>
+            <a:prstGeom prst="rightArrow">
+              <a:avLst/>
+            </a:prstGeom>
+            <a:solidFill>
+              <a:srgbClr val="3E5467"/>
+            </a:solidFill>
+            <a:ln>
+              <a:noFill/>
+            </a:ln>
+          </p:spPr>
+          <p:style>
+            <a:lnRef idx="2">
+              <a:schemeClr val="accent1">
+                <a:shade val="50000"/>
+              </a:schemeClr>
+            </a:lnRef>
+            <a:fillRef idx="1">
+              <a:schemeClr val="accent1"/>
+            </a:fillRef>
+            <a:effectRef idx="0">
+              <a:schemeClr val="accent1"/>
+            </a:effectRef>
+            <a:fontRef idx="minor">
+              <a:schemeClr val="lt1"/>
+            </a:fontRef>
+          </p:style>
+          <p:txBody>
+            <a:bodyPr rot="0" spcFirstLastPara="0" vertOverflow="overflow" horzOverflow="overflow" vert="horz" wrap="square" lIns="91440" tIns="45720" rIns="91440" bIns="45720" numCol="1" spcCol="0" rtlCol="0" fromWordArt="0" anchor="ctr" anchorCtr="0" forceAA="0" compatLnSpc="1">
+              <a:prstTxWarp prst="textNoShape">
+                <a:avLst/>
+              </a:prstTxWarp>
+              <a:noAutofit/>
+            </a:bodyPr>
+            <a:lstStyle/>
+            <a:p>
+              <a:pPr algn="ctr"/>
+              <a:endParaRPr lang="en-AU"/>
+            </a:p>
+          </p:txBody>
+        </p:sp>
+        <p:sp>
+          <p:nvSpPr>
+            <p:cNvPr id="15" name="Arrow: Right 14">
+              <a:extLst>
+                <a:ext uri="{FF2B5EF4-FFF2-40B4-BE49-F238E27FC236}">
+                  <a16:creationId xmlns:a16="http://schemas.microsoft.com/office/drawing/2014/main" id="{7CC2ED86-1809-18FE-F3FA-476E80C28C0A}"/>
+                </a:ext>
+              </a:extLst>
+            </p:cNvPr>
+            <p:cNvSpPr/>
+            <p:nvPr/>
+          </p:nvSpPr>
+          <p:spPr>
+            <a:xfrm rot="10800000">
+              <a:off x="2078705" y="1429746"/>
+              <a:ext cx="445169" cy="186490"/>
+            </a:xfrm>
+            <a:prstGeom prst="rightArrow">
+              <a:avLst/>
+            </a:prstGeom>
+            <a:solidFill>
+              <a:srgbClr val="3E5467"/>
+            </a:solidFill>
+            <a:ln>
+              <a:noFill/>
+            </a:ln>
+          </p:spPr>
+          <p:style>
+            <a:lnRef idx="2">
+              <a:schemeClr val="accent1">
+                <a:shade val="50000"/>
+              </a:schemeClr>
+            </a:lnRef>
+            <a:fillRef idx="1">
+              <a:schemeClr val="accent1"/>
+            </a:fillRef>
+            <a:effectRef idx="0">
+              <a:schemeClr val="accent1"/>
+            </a:effectRef>
+            <a:fontRef idx="minor">
+              <a:schemeClr val="lt1"/>
+            </a:fontRef>
+          </p:style>
+          <p:txBody>
+            <a:bodyPr rot="0" spcFirstLastPara="0" vertOverflow="overflow" horzOverflow="overflow" vert="horz" wrap="square" lIns="91440" tIns="45720" rIns="91440" bIns="45720" numCol="1" spcCol="0" rtlCol="0" fromWordArt="0" anchor="ctr" anchorCtr="0" forceAA="0" compatLnSpc="1">
+              <a:prstTxWarp prst="textNoShape">
+                <a:avLst/>
+              </a:prstTxWarp>
+              <a:noAutofit/>
+            </a:bodyPr>
+            <a:lstStyle/>
+            <a:p>
+              <a:pPr algn="ctr"/>
+              <a:endParaRPr lang="en-AU"/>
+            </a:p>
+          </p:txBody>
+        </p:sp>
+      </p:grpSp>
+      <p:grpSp>
+        <p:nvGrpSpPr>
+          <p:cNvPr id="20" name="Group 19">
+            <a:extLst>
+              <a:ext uri="{FF2B5EF4-FFF2-40B4-BE49-F238E27FC236}">
+                <a16:creationId xmlns:a16="http://schemas.microsoft.com/office/drawing/2014/main" id="{96E5CF88-65EC-7756-F491-9FB7399BA4B8}"/>
+              </a:ext>
+            </a:extLst>
+          </p:cNvPr>
+          <p:cNvGrpSpPr/>
+          <p:nvPr/>
+        </p:nvGrpSpPr>
+        <p:grpSpPr>
+          <a:xfrm>
+            <a:off x="4127958" y="1172569"/>
+            <a:ext cx="445169" cy="504323"/>
+            <a:chOff x="2078705" y="1111913"/>
+            <a:chExt cx="445169" cy="504323"/>
+          </a:xfrm>
+        </p:grpSpPr>
+        <p:sp>
+          <p:nvSpPr>
+            <p:cNvPr id="21" name="Arrow: Right 20">
+              <a:extLst>
+                <a:ext uri="{FF2B5EF4-FFF2-40B4-BE49-F238E27FC236}">
+                  <a16:creationId xmlns:a16="http://schemas.microsoft.com/office/drawing/2014/main" id="{8103C883-F307-2EE0-76FE-6C44CB854B52}"/>
+                </a:ext>
+              </a:extLst>
+            </p:cNvPr>
+            <p:cNvSpPr/>
+            <p:nvPr/>
+          </p:nvSpPr>
+          <p:spPr>
+            <a:xfrm>
+              <a:off x="2078705" y="1111913"/>
+              <a:ext cx="445169" cy="186490"/>
+            </a:xfrm>
+            <a:prstGeom prst="rightArrow">
+              <a:avLst/>
+            </a:prstGeom>
+            <a:solidFill>
+              <a:srgbClr val="3E5467"/>
+            </a:solidFill>
+            <a:ln>
+              <a:noFill/>
+            </a:ln>
+          </p:spPr>
+          <p:style>
+            <a:lnRef idx="2">
+              <a:schemeClr val="accent1">
+                <a:shade val="50000"/>
+              </a:schemeClr>
+            </a:lnRef>
+            <a:fillRef idx="1">
+              <a:schemeClr val="accent1"/>
+            </a:fillRef>
+            <a:effectRef idx="0">
+              <a:schemeClr val="accent1"/>
+            </a:effectRef>
+            <a:fontRef idx="minor">
+              <a:schemeClr val="lt1"/>
+            </a:fontRef>
+          </p:style>
+          <p:txBody>
+            <a:bodyPr rot="0" spcFirstLastPara="0" vertOverflow="overflow" horzOverflow="overflow" vert="horz" wrap="square" lIns="91440" tIns="45720" rIns="91440" bIns="45720" numCol="1" spcCol="0" rtlCol="0" fromWordArt="0" anchor="ctr" anchorCtr="0" forceAA="0" compatLnSpc="1">
+              <a:prstTxWarp prst="textNoShape">
+                <a:avLst/>
+              </a:prstTxWarp>
+              <a:noAutofit/>
+            </a:bodyPr>
+            <a:lstStyle/>
+            <a:p>
+              <a:pPr algn="ctr"/>
+              <a:endParaRPr lang="en-AU"/>
+            </a:p>
+          </p:txBody>
+        </p:sp>
+        <p:sp>
+          <p:nvSpPr>
+            <p:cNvPr id="22" name="Arrow: Right 21">
+              <a:extLst>
+                <a:ext uri="{FF2B5EF4-FFF2-40B4-BE49-F238E27FC236}">
+                  <a16:creationId xmlns:a16="http://schemas.microsoft.com/office/drawing/2014/main" id="{A38E764E-B24C-D8C7-34AC-61F089C6F30B}"/>
+                </a:ext>
+              </a:extLst>
+            </p:cNvPr>
+            <p:cNvSpPr/>
+            <p:nvPr/>
+          </p:nvSpPr>
+          <p:spPr>
+            <a:xfrm rot="10800000">
+              <a:off x="2078705" y="1429746"/>
+              <a:ext cx="445169" cy="186490"/>
+            </a:xfrm>
+            <a:prstGeom prst="rightArrow">
+              <a:avLst/>
+            </a:prstGeom>
+            <a:solidFill>
+              <a:srgbClr val="3E5467"/>
+            </a:solidFill>
+            <a:ln>
+              <a:noFill/>
+            </a:ln>
+          </p:spPr>
+          <p:style>
+            <a:lnRef idx="2">
+              <a:schemeClr val="accent1">
+                <a:shade val="50000"/>
+              </a:schemeClr>
+            </a:lnRef>
+            <a:fillRef idx="1">
+              <a:schemeClr val="accent1"/>
+            </a:fillRef>
+            <a:effectRef idx="0">
+              <a:schemeClr val="accent1"/>
+            </a:effectRef>
+            <a:fontRef idx="minor">
+              <a:schemeClr val="lt1"/>
+            </a:fontRef>
+          </p:style>
+          <p:txBody>
+            <a:bodyPr rot="0" spcFirstLastPara="0" vertOverflow="overflow" horzOverflow="overflow" vert="horz" wrap="square" lIns="91440" tIns="45720" rIns="91440" bIns="45720" numCol="1" spcCol="0" rtlCol="0" fromWordArt="0" anchor="ctr" anchorCtr="0" forceAA="0" compatLnSpc="1">
+              <a:prstTxWarp prst="textNoShape">
+                <a:avLst/>
+              </a:prstTxWarp>
+              <a:noAutofit/>
+            </a:bodyPr>
+            <a:lstStyle/>
+            <a:p>
+              <a:pPr algn="ctr"/>
+              <a:endParaRPr lang="en-AU"/>
+            </a:p>
+          </p:txBody>
+        </p:sp>
+      </p:grpSp>
+      <p:grpSp>
+        <p:nvGrpSpPr>
+          <p:cNvPr id="23" name="Group 22">
+            <a:extLst>
+              <a:ext uri="{FF2B5EF4-FFF2-40B4-BE49-F238E27FC236}">
+                <a16:creationId xmlns:a16="http://schemas.microsoft.com/office/drawing/2014/main" id="{1B35A2DB-89FF-DAAD-5D83-17B2FE9EDF96}"/>
+              </a:ext>
+            </a:extLst>
+          </p:cNvPr>
+          <p:cNvGrpSpPr/>
+          <p:nvPr/>
+        </p:nvGrpSpPr>
+        <p:grpSpPr>
+          <a:xfrm>
+            <a:off x="6213180" y="1172569"/>
+            <a:ext cx="445169" cy="504323"/>
+            <a:chOff x="2078705" y="1111913"/>
+            <a:chExt cx="445169" cy="504323"/>
+          </a:xfrm>
+        </p:grpSpPr>
+        <p:sp>
+          <p:nvSpPr>
+            <p:cNvPr id="24" name="Arrow: Right 23">
+              <a:extLst>
+                <a:ext uri="{FF2B5EF4-FFF2-40B4-BE49-F238E27FC236}">
+                  <a16:creationId xmlns:a16="http://schemas.microsoft.com/office/drawing/2014/main" id="{FB7A32A0-7A95-2DD4-C358-D3E9D673F514}"/>
+                </a:ext>
+              </a:extLst>
+            </p:cNvPr>
+            <p:cNvSpPr/>
+            <p:nvPr/>
+          </p:nvSpPr>
+          <p:spPr>
+            <a:xfrm>
+              <a:off x="2078705" y="1111913"/>
+              <a:ext cx="445169" cy="186490"/>
+            </a:xfrm>
+            <a:prstGeom prst="rightArrow">
+              <a:avLst/>
+            </a:prstGeom>
+            <a:solidFill>
+              <a:srgbClr val="3E5467"/>
+            </a:solidFill>
+            <a:ln>
+              <a:noFill/>
+            </a:ln>
+          </p:spPr>
+          <p:style>
+            <a:lnRef idx="2">
+              <a:schemeClr val="accent1">
+                <a:shade val="50000"/>
+              </a:schemeClr>
+            </a:lnRef>
+            <a:fillRef idx="1">
+              <a:schemeClr val="accent1"/>
+            </a:fillRef>
+            <a:effectRef idx="0">
+              <a:schemeClr val="accent1"/>
+            </a:effectRef>
+            <a:fontRef idx="minor">
+              <a:schemeClr val="lt1"/>
+            </a:fontRef>
+          </p:style>
+          <p:txBody>
+            <a:bodyPr rot="0" spcFirstLastPara="0" vertOverflow="overflow" horzOverflow="overflow" vert="horz" wrap="square" lIns="91440" tIns="45720" rIns="91440" bIns="45720" numCol="1" spcCol="0" rtlCol="0" fromWordArt="0" anchor="ctr" anchorCtr="0" forceAA="0" compatLnSpc="1">
+              <a:prstTxWarp prst="textNoShape">
+                <a:avLst/>
+              </a:prstTxWarp>
+              <a:noAutofit/>
+            </a:bodyPr>
+            <a:lstStyle/>
+            <a:p>
+              <a:pPr algn="ctr"/>
+              <a:endParaRPr lang="en-AU"/>
+            </a:p>
+          </p:txBody>
+        </p:sp>
+        <p:sp>
+          <p:nvSpPr>
+            <p:cNvPr id="25" name="Arrow: Right 24">
+              <a:extLst>
+                <a:ext uri="{FF2B5EF4-FFF2-40B4-BE49-F238E27FC236}">
+                  <a16:creationId xmlns:a16="http://schemas.microsoft.com/office/drawing/2014/main" id="{05680C16-C485-305C-D37A-2D0D61C71F9B}"/>
+                </a:ext>
+              </a:extLst>
+            </p:cNvPr>
+            <p:cNvSpPr/>
+            <p:nvPr/>
+          </p:nvSpPr>
+          <p:spPr>
+            <a:xfrm rot="10800000">
+              <a:off x="2078705" y="1429746"/>
+              <a:ext cx="445169" cy="186490"/>
+            </a:xfrm>
+            <a:prstGeom prst="rightArrow">
+              <a:avLst/>
+            </a:prstGeom>
+            <a:solidFill>
+              <a:srgbClr val="3E5467"/>
+            </a:solidFill>
+            <a:ln>
+              <a:noFill/>
+            </a:ln>
+          </p:spPr>
+          <p:style>
+            <a:lnRef idx="2">
+              <a:schemeClr val="accent1">
+                <a:shade val="50000"/>
+              </a:schemeClr>
+            </a:lnRef>
+            <a:fillRef idx="1">
+              <a:schemeClr val="accent1"/>
+            </a:fillRef>
+            <a:effectRef idx="0">
+              <a:schemeClr val="accent1"/>
+            </a:effectRef>
+            <a:fontRef idx="minor">
+              <a:schemeClr val="lt1"/>
+            </a:fontRef>
+          </p:style>
+          <p:txBody>
+            <a:bodyPr rot="0" spcFirstLastPara="0" vertOverflow="overflow" horzOverflow="overflow" vert="horz" wrap="square" lIns="91440" tIns="45720" rIns="91440" bIns="45720" numCol="1" spcCol="0" rtlCol="0" fromWordArt="0" anchor="ctr" anchorCtr="0" forceAA="0" compatLnSpc="1">
+              <a:prstTxWarp prst="textNoShape">
+                <a:avLst/>
+              </a:prstTxWarp>
+              <a:noAutofit/>
+            </a:bodyPr>
+            <a:lstStyle/>
+            <a:p>
+              <a:pPr algn="ctr"/>
+              <a:endParaRPr lang="en-AU"/>
+            </a:p>
+          </p:txBody>
+        </p:sp>
+      </p:grpSp>
+      <p:grpSp>
+        <p:nvGrpSpPr>
+          <p:cNvPr id="26" name="Group 25">
+            <a:extLst>
+              <a:ext uri="{FF2B5EF4-FFF2-40B4-BE49-F238E27FC236}">
+                <a16:creationId xmlns:a16="http://schemas.microsoft.com/office/drawing/2014/main" id="{DDEC133A-2652-77B7-63B4-F0D8F26F6BD5}"/>
+              </a:ext>
+            </a:extLst>
+          </p:cNvPr>
+          <p:cNvGrpSpPr/>
+          <p:nvPr/>
+        </p:nvGrpSpPr>
+        <p:grpSpPr>
+          <a:xfrm>
+            <a:off x="8298402" y="1172569"/>
+            <a:ext cx="445169" cy="504323"/>
+            <a:chOff x="2078705" y="1111913"/>
+            <a:chExt cx="445169" cy="504323"/>
+          </a:xfrm>
+        </p:grpSpPr>
+        <p:sp>
+          <p:nvSpPr>
+            <p:cNvPr id="27" name="Arrow: Right 26">
+              <a:extLst>
+                <a:ext uri="{FF2B5EF4-FFF2-40B4-BE49-F238E27FC236}">
+                  <a16:creationId xmlns:a16="http://schemas.microsoft.com/office/drawing/2014/main" id="{8477F4F8-B625-C056-4781-9858BDF5EDD4}"/>
+                </a:ext>
+              </a:extLst>
+            </p:cNvPr>
+            <p:cNvSpPr/>
+            <p:nvPr/>
+          </p:nvSpPr>
+          <p:spPr>
+            <a:xfrm>
+              <a:off x="2078705" y="1111913"/>
+              <a:ext cx="445169" cy="186490"/>
+            </a:xfrm>
+            <a:prstGeom prst="rightArrow">
+              <a:avLst/>
+            </a:prstGeom>
+            <a:solidFill>
+              <a:srgbClr val="3E5467"/>
+            </a:solidFill>
+            <a:ln>
+              <a:noFill/>
+            </a:ln>
+          </p:spPr>
+          <p:style>
+            <a:lnRef idx="2">
+              <a:schemeClr val="accent1">
+                <a:shade val="50000"/>
+              </a:schemeClr>
+            </a:lnRef>
+            <a:fillRef idx="1">
+              <a:schemeClr val="accent1"/>
+            </a:fillRef>
+            <a:effectRef idx="0">
+              <a:schemeClr val="accent1"/>
+            </a:effectRef>
+            <a:fontRef idx="minor">
+              <a:schemeClr val="lt1"/>
+            </a:fontRef>
+          </p:style>
+          <p:txBody>
+            <a:bodyPr rot="0" spcFirstLastPara="0" vertOverflow="overflow" horzOverflow="overflow" vert="horz" wrap="square" lIns="91440" tIns="45720" rIns="91440" bIns="45720" numCol="1" spcCol="0" rtlCol="0" fromWordArt="0" anchor="ctr" anchorCtr="0" forceAA="0" compatLnSpc="1">
+              <a:prstTxWarp prst="textNoShape">
+                <a:avLst/>
+              </a:prstTxWarp>
+              <a:noAutofit/>
+            </a:bodyPr>
+            <a:lstStyle/>
+            <a:p>
+              <a:pPr algn="ctr"/>
+              <a:endParaRPr lang="en-AU"/>
+            </a:p>
+          </p:txBody>
+        </p:sp>
+        <p:sp>
+          <p:nvSpPr>
+            <p:cNvPr id="28" name="Arrow: Right 27">
+              <a:extLst>
+                <a:ext uri="{FF2B5EF4-FFF2-40B4-BE49-F238E27FC236}">
+                  <a16:creationId xmlns:a16="http://schemas.microsoft.com/office/drawing/2014/main" id="{5B457D10-806A-F15C-C1C4-A9F9475CE084}"/>
+                </a:ext>
+              </a:extLst>
+            </p:cNvPr>
+            <p:cNvSpPr/>
+            <p:nvPr/>
+          </p:nvSpPr>
+          <p:spPr>
+            <a:xfrm rot="10800000">
+              <a:off x="2078705" y="1429746"/>
+              <a:ext cx="445169" cy="186490"/>
+            </a:xfrm>
+            <a:prstGeom prst="rightArrow">
+              <a:avLst/>
+            </a:prstGeom>
+            <a:solidFill>
+              <a:srgbClr val="3E5467"/>
+            </a:solidFill>
+            <a:ln>
+              <a:noFill/>
+            </a:ln>
+          </p:spPr>
+          <p:style>
+            <a:lnRef idx="2">
+              <a:schemeClr val="accent1">
+                <a:shade val="50000"/>
+              </a:schemeClr>
+            </a:lnRef>
+            <a:fillRef idx="1">
+              <a:schemeClr val="accent1"/>
+            </a:fillRef>
+            <a:effectRef idx="0">
+              <a:schemeClr val="accent1"/>
+            </a:effectRef>
+            <a:fontRef idx="minor">
+              <a:schemeClr val="lt1"/>
+            </a:fontRef>
+          </p:style>
+          <p:txBody>
+            <a:bodyPr rot="0" spcFirstLastPara="0" vertOverflow="overflow" horzOverflow="overflow" vert="horz" wrap="square" lIns="91440" tIns="45720" rIns="91440" bIns="45720" numCol="1" spcCol="0" rtlCol="0" fromWordArt="0" anchor="ctr" anchorCtr="0" forceAA="0" compatLnSpc="1">
+              <a:prstTxWarp prst="textNoShape">
+                <a:avLst/>
+              </a:prstTxWarp>
+              <a:noAutofit/>
+            </a:bodyPr>
+            <a:lstStyle/>
+            <a:p>
+              <a:pPr algn="ctr"/>
+              <a:endParaRPr lang="en-AU"/>
+            </a:p>
+          </p:txBody>
+        </p:sp>
+      </p:grpSp>
+      <p:sp>
+        <p:nvSpPr>
+          <p:cNvPr id="32" name="Rectangle 31">
+            <a:extLst>
+              <a:ext uri="{FF2B5EF4-FFF2-40B4-BE49-F238E27FC236}">
+                <a16:creationId xmlns:a16="http://schemas.microsoft.com/office/drawing/2014/main" id="{6F953460-79B0-B58B-38A9-084B025DAD07}"/>
+              </a:ext>
+            </a:extLst>
+          </p:cNvPr>
+          <p:cNvSpPr/>
+          <p:nvPr/>
+        </p:nvSpPr>
+        <p:spPr>
+          <a:xfrm>
+            <a:off x="527886" y="3242511"/>
+            <a:ext cx="1389647" cy="757989"/>
+          </a:xfrm>
+          <a:prstGeom prst="rect">
+            <a:avLst/>
+          </a:prstGeom>
+          <a:solidFill>
+            <a:srgbClr val="00BD82"/>
+          </a:solidFill>
+          <a:ln>
+            <a:noFill/>
+          </a:ln>
+        </p:spPr>
+        <p:style>
+          <a:lnRef idx="2">
+            <a:schemeClr val="accent1">
+              <a:shade val="50000"/>
+            </a:schemeClr>
+          </a:lnRef>
+          <a:fillRef idx="1">
+            <a:schemeClr val="accent1"/>
+          </a:fillRef>
+          <a:effectRef idx="0">
+            <a:schemeClr val="accent1"/>
+          </a:effectRef>
+          <a:fontRef idx="minor">
+            <a:schemeClr val="lt1"/>
+          </a:fontRef>
+        </p:style>
+        <p:txBody>
+          <a:bodyPr rot="0" spcFirstLastPara="0" vertOverflow="overflow" horzOverflow="overflow" vert="horz" wrap="square" lIns="91440" tIns="45720" rIns="91440" bIns="45720" numCol="1" spcCol="0" rtlCol="0" fromWordArt="0" anchor="ctr" anchorCtr="0" forceAA="0" compatLnSpc="1">
+            <a:prstTxWarp prst="textNoShape">
+              <a:avLst/>
+            </a:prstTxWarp>
+            <a:noAutofit/>
+          </a:bodyPr>
+          <a:lstStyle/>
+          <a:p>
+            <a:pPr algn="ctr"/>
+            <a:r>
+              <a:rPr lang="en-AU" dirty="0"/>
+              <a:t>Collection Class</a:t>
+            </a:r>
+          </a:p>
+        </p:txBody>
+      </p:sp>
+      <p:sp>
+        <p:nvSpPr>
+          <p:cNvPr id="33" name="Rectangle 32">
+            <a:extLst>
+              <a:ext uri="{FF2B5EF4-FFF2-40B4-BE49-F238E27FC236}">
+                <a16:creationId xmlns:a16="http://schemas.microsoft.com/office/drawing/2014/main" id="{CA075569-C644-1047-0371-41E4A518FDCC}"/>
+              </a:ext>
+            </a:extLst>
+          </p:cNvPr>
+          <p:cNvSpPr/>
+          <p:nvPr/>
+        </p:nvSpPr>
+        <p:spPr>
+          <a:xfrm>
+            <a:off x="2613108" y="3242511"/>
+            <a:ext cx="1389647" cy="757989"/>
+          </a:xfrm>
+          <a:prstGeom prst="rect">
+            <a:avLst/>
+          </a:prstGeom>
+          <a:solidFill>
+            <a:srgbClr val="00BD82"/>
+          </a:solidFill>
+          <a:ln>
+            <a:noFill/>
+          </a:ln>
+        </p:spPr>
+        <p:style>
+          <a:lnRef idx="2">
+            <a:schemeClr val="accent1">
+              <a:shade val="50000"/>
+            </a:schemeClr>
+          </a:lnRef>
+          <a:fillRef idx="1">
+            <a:schemeClr val="accent1"/>
+          </a:fillRef>
+          <a:effectRef idx="0">
+            <a:schemeClr val="accent1"/>
+          </a:effectRef>
+          <a:fontRef idx="minor">
+            <a:schemeClr val="lt1"/>
+          </a:fontRef>
+        </p:style>
+        <p:txBody>
+          <a:bodyPr rot="0" spcFirstLastPara="0" vertOverflow="overflow" horzOverflow="overflow" vert="horz" wrap="square" lIns="91440" tIns="45720" rIns="91440" bIns="45720" numCol="1" spcCol="0" rtlCol="0" fromWordArt="0" anchor="ctr" anchorCtr="0" forceAA="0" compatLnSpc="1">
+            <a:prstTxWarp prst="textNoShape">
+              <a:avLst/>
+            </a:prstTxWarp>
+            <a:noAutofit/>
+          </a:bodyPr>
+          <a:lstStyle/>
+          <a:p>
+            <a:pPr algn="ctr"/>
+            <a:r>
+              <a:rPr lang="en-AU" dirty="0" err="1"/>
+              <a:t>Api</a:t>
+            </a:r>
+            <a:r>
+              <a:rPr lang="en-AU" dirty="0"/>
+              <a:t> Class</a:t>
+            </a:r>
+          </a:p>
+        </p:txBody>
+      </p:sp>
+      <p:sp>
+        <p:nvSpPr>
+          <p:cNvPr id="34" name="Rectangle 33">
+            <a:extLst>
+              <a:ext uri="{FF2B5EF4-FFF2-40B4-BE49-F238E27FC236}">
+                <a16:creationId xmlns:a16="http://schemas.microsoft.com/office/drawing/2014/main" id="{F81EC2D0-6056-D381-E49F-3EEFC90830F6}"/>
+              </a:ext>
+            </a:extLst>
+          </p:cNvPr>
+          <p:cNvSpPr/>
+          <p:nvPr/>
+        </p:nvSpPr>
+        <p:spPr>
+          <a:xfrm>
+            <a:off x="4698330" y="3242511"/>
+            <a:ext cx="1389647" cy="757989"/>
+          </a:xfrm>
+          <a:prstGeom prst="rect">
+            <a:avLst/>
+          </a:prstGeom>
+          <a:solidFill>
+            <a:srgbClr val="EF2F20"/>
+          </a:solidFill>
+          <a:ln>
+            <a:noFill/>
+          </a:ln>
+        </p:spPr>
+        <p:style>
+          <a:lnRef idx="2">
+            <a:schemeClr val="accent1">
+              <a:shade val="50000"/>
+            </a:schemeClr>
+          </a:lnRef>
+          <a:fillRef idx="1">
+            <a:schemeClr val="accent1"/>
+          </a:fillRef>
+          <a:effectRef idx="0">
+            <a:schemeClr val="accent1"/>
+          </a:effectRef>
+          <a:fontRef idx="minor">
+            <a:schemeClr val="lt1"/>
+          </a:fontRef>
+        </p:style>
+        <p:txBody>
+          <a:bodyPr rot="0" spcFirstLastPara="0" vertOverflow="overflow" horzOverflow="overflow" vert="horz" wrap="square" lIns="91440" tIns="45720" rIns="91440" bIns="45720" numCol="1" spcCol="0" rtlCol="0" fromWordArt="0" anchor="ctr" anchorCtr="0" forceAA="0" compatLnSpc="1">
+            <a:prstTxWarp prst="textNoShape">
+              <a:avLst/>
+            </a:prstTxWarp>
+            <a:noAutofit/>
+          </a:bodyPr>
+          <a:lstStyle/>
+          <a:p>
+            <a:pPr algn="ctr"/>
+            <a:r>
+              <a:rPr lang="en-AU" dirty="0"/>
+              <a:t>Route</a:t>
+            </a:r>
+          </a:p>
+        </p:txBody>
+      </p:sp>
+      <p:sp>
+        <p:nvSpPr>
+          <p:cNvPr id="35" name="Rectangle 34">
+            <a:extLst>
+              <a:ext uri="{FF2B5EF4-FFF2-40B4-BE49-F238E27FC236}">
+                <a16:creationId xmlns:a16="http://schemas.microsoft.com/office/drawing/2014/main" id="{603C9A07-5143-CCBE-CA6A-BBD2983D8B7B}"/>
+              </a:ext>
+            </a:extLst>
+          </p:cNvPr>
+          <p:cNvSpPr/>
+          <p:nvPr/>
+        </p:nvSpPr>
+        <p:spPr>
+          <a:xfrm>
+            <a:off x="6783552" y="3242511"/>
+            <a:ext cx="1389647" cy="757989"/>
+          </a:xfrm>
+          <a:prstGeom prst="rect">
+            <a:avLst/>
+          </a:prstGeom>
+          <a:solidFill>
+            <a:srgbClr val="EF2F20"/>
+          </a:solidFill>
+          <a:ln>
+            <a:noFill/>
+          </a:ln>
+        </p:spPr>
+        <p:style>
+          <a:lnRef idx="2">
+            <a:schemeClr val="accent1">
+              <a:shade val="50000"/>
+            </a:schemeClr>
+          </a:lnRef>
+          <a:fillRef idx="1">
+            <a:schemeClr val="accent1"/>
+          </a:fillRef>
+          <a:effectRef idx="0">
+            <a:schemeClr val="accent1"/>
+          </a:effectRef>
+          <a:fontRef idx="minor">
+            <a:schemeClr val="lt1"/>
+          </a:fontRef>
+        </p:style>
+        <p:txBody>
+          <a:bodyPr rot="0" spcFirstLastPara="0" vertOverflow="overflow" horzOverflow="overflow" vert="horz" wrap="square" lIns="91440" tIns="45720" rIns="91440" bIns="45720" numCol="1" spcCol="0" rtlCol="0" fromWordArt="0" anchor="ctr" anchorCtr="0" forceAA="0" compatLnSpc="1">
+            <a:prstTxWarp prst="textNoShape">
+              <a:avLst/>
+            </a:prstTxWarp>
+            <a:noAutofit/>
+          </a:bodyPr>
+          <a:lstStyle/>
+          <a:p>
+            <a:pPr algn="ctr"/>
+            <a:r>
+              <a:rPr lang="en-AU" dirty="0"/>
+              <a:t>Controller</a:t>
+            </a:r>
+          </a:p>
+        </p:txBody>
+      </p:sp>
+      <p:sp>
+        <p:nvSpPr>
+          <p:cNvPr id="36" name="Rectangle 35">
+            <a:extLst>
+              <a:ext uri="{FF2B5EF4-FFF2-40B4-BE49-F238E27FC236}">
+                <a16:creationId xmlns:a16="http://schemas.microsoft.com/office/drawing/2014/main" id="{AB617481-4AD3-0FFA-4A6B-057F53AC747F}"/>
+              </a:ext>
+            </a:extLst>
+          </p:cNvPr>
+          <p:cNvSpPr/>
+          <p:nvPr/>
+        </p:nvSpPr>
+        <p:spPr>
+          <a:xfrm>
+            <a:off x="8868774" y="3242511"/>
+            <a:ext cx="1389647" cy="757989"/>
+          </a:xfrm>
+          <a:prstGeom prst="rect">
+            <a:avLst/>
+          </a:prstGeom>
+          <a:solidFill>
+            <a:srgbClr val="EF2F20"/>
+          </a:solidFill>
+          <a:ln>
+            <a:noFill/>
+          </a:ln>
+        </p:spPr>
+        <p:style>
+          <a:lnRef idx="2">
+            <a:schemeClr val="accent1">
+              <a:shade val="50000"/>
+            </a:schemeClr>
+          </a:lnRef>
+          <a:fillRef idx="1">
+            <a:schemeClr val="accent1"/>
+          </a:fillRef>
+          <a:effectRef idx="0">
+            <a:schemeClr val="accent1"/>
+          </a:effectRef>
+          <a:fontRef idx="minor">
+            <a:schemeClr val="lt1"/>
+          </a:fontRef>
+        </p:style>
+        <p:txBody>
+          <a:bodyPr rot="0" spcFirstLastPara="0" vertOverflow="overflow" horzOverflow="overflow" vert="horz" wrap="square" lIns="91440" tIns="45720" rIns="91440" bIns="45720" numCol="1" spcCol="0" rtlCol="0" fromWordArt="0" anchor="ctr" anchorCtr="0" forceAA="0" compatLnSpc="1">
+            <a:prstTxWarp prst="textNoShape">
+              <a:avLst/>
+            </a:prstTxWarp>
+            <a:noAutofit/>
+          </a:bodyPr>
+          <a:lstStyle/>
+          <a:p>
+            <a:pPr algn="ctr"/>
+            <a:r>
+              <a:rPr lang="en-AU" dirty="0"/>
+              <a:t>Model</a:t>
+            </a:r>
+          </a:p>
+        </p:txBody>
+      </p:sp>
+      <p:grpSp>
+        <p:nvGrpSpPr>
+          <p:cNvPr id="37" name="Group 36">
+            <a:extLst>
+              <a:ext uri="{FF2B5EF4-FFF2-40B4-BE49-F238E27FC236}">
+                <a16:creationId xmlns:a16="http://schemas.microsoft.com/office/drawing/2014/main" id="{80D805C1-F7FC-6340-531C-7650CBD5DE02}"/>
+              </a:ext>
+            </a:extLst>
+          </p:cNvPr>
+          <p:cNvGrpSpPr/>
+          <p:nvPr/>
+        </p:nvGrpSpPr>
+        <p:grpSpPr>
+          <a:xfrm>
+            <a:off x="2042736" y="3369344"/>
+            <a:ext cx="445169" cy="504323"/>
+            <a:chOff x="2078705" y="1111913"/>
+            <a:chExt cx="445169" cy="504323"/>
+          </a:xfrm>
+        </p:grpSpPr>
+        <p:sp>
+          <p:nvSpPr>
+            <p:cNvPr id="38" name="Arrow: Right 37">
+              <a:extLst>
+                <a:ext uri="{FF2B5EF4-FFF2-40B4-BE49-F238E27FC236}">
+                  <a16:creationId xmlns:a16="http://schemas.microsoft.com/office/drawing/2014/main" id="{6008A825-B738-7E73-2182-08C2A31ADD87}"/>
+                </a:ext>
+              </a:extLst>
+            </p:cNvPr>
+            <p:cNvSpPr/>
+            <p:nvPr/>
+          </p:nvSpPr>
+          <p:spPr>
+            <a:xfrm>
+              <a:off x="2078705" y="1111913"/>
+              <a:ext cx="445169" cy="186490"/>
+            </a:xfrm>
+            <a:prstGeom prst="rightArrow">
+              <a:avLst/>
+            </a:prstGeom>
+            <a:solidFill>
+              <a:srgbClr val="3E5467"/>
+            </a:solidFill>
+            <a:ln>
+              <a:noFill/>
+            </a:ln>
+          </p:spPr>
+          <p:style>
+            <a:lnRef idx="2">
+              <a:schemeClr val="accent1">
+                <a:shade val="50000"/>
+              </a:schemeClr>
+            </a:lnRef>
+            <a:fillRef idx="1">
+              <a:schemeClr val="accent1"/>
+            </a:fillRef>
+            <a:effectRef idx="0">
+              <a:schemeClr val="accent1"/>
+            </a:effectRef>
+            <a:fontRef idx="minor">
+              <a:schemeClr val="lt1"/>
+            </a:fontRef>
+          </p:style>
+          <p:txBody>
+            <a:bodyPr rot="0" spcFirstLastPara="0" vertOverflow="overflow" horzOverflow="overflow" vert="horz" wrap="square" lIns="91440" tIns="45720" rIns="91440" bIns="45720" numCol="1" spcCol="0" rtlCol="0" fromWordArt="0" anchor="ctr" anchorCtr="0" forceAA="0" compatLnSpc="1">
+              <a:prstTxWarp prst="textNoShape">
+                <a:avLst/>
+              </a:prstTxWarp>
+              <a:noAutofit/>
+            </a:bodyPr>
+            <a:lstStyle/>
+            <a:p>
+              <a:pPr algn="ctr"/>
+              <a:endParaRPr lang="en-AU"/>
+            </a:p>
+          </p:txBody>
+        </p:sp>
+        <p:sp>
+          <p:nvSpPr>
+            <p:cNvPr id="39" name="Arrow: Right 38">
+              <a:extLst>
+                <a:ext uri="{FF2B5EF4-FFF2-40B4-BE49-F238E27FC236}">
+                  <a16:creationId xmlns:a16="http://schemas.microsoft.com/office/drawing/2014/main" id="{063C4A55-6329-35AD-B7A6-3345FC768F94}"/>
+                </a:ext>
+              </a:extLst>
+            </p:cNvPr>
+            <p:cNvSpPr/>
+            <p:nvPr/>
+          </p:nvSpPr>
+          <p:spPr>
+            <a:xfrm rot="10800000">
+              <a:off x="2078705" y="1429746"/>
+              <a:ext cx="445169" cy="186490"/>
+            </a:xfrm>
+            <a:prstGeom prst="rightArrow">
+              <a:avLst/>
+            </a:prstGeom>
+            <a:solidFill>
+              <a:srgbClr val="3E5467"/>
+            </a:solidFill>
+            <a:ln>
+              <a:noFill/>
+            </a:ln>
+          </p:spPr>
+          <p:style>
+            <a:lnRef idx="2">
+              <a:schemeClr val="accent1">
+                <a:shade val="50000"/>
+              </a:schemeClr>
+            </a:lnRef>
+            <a:fillRef idx="1">
+              <a:schemeClr val="accent1"/>
+            </a:fillRef>
+            <a:effectRef idx="0">
+              <a:schemeClr val="accent1"/>
+            </a:effectRef>
+            <a:fontRef idx="minor">
+              <a:schemeClr val="lt1"/>
+            </a:fontRef>
+          </p:style>
+          <p:txBody>
+            <a:bodyPr rot="0" spcFirstLastPara="0" vertOverflow="overflow" horzOverflow="overflow" vert="horz" wrap="square" lIns="91440" tIns="45720" rIns="91440" bIns="45720" numCol="1" spcCol="0" rtlCol="0" fromWordArt="0" anchor="ctr" anchorCtr="0" forceAA="0" compatLnSpc="1">
+              <a:prstTxWarp prst="textNoShape">
+                <a:avLst/>
+              </a:prstTxWarp>
+              <a:noAutofit/>
+            </a:bodyPr>
+            <a:lstStyle/>
+            <a:p>
+              <a:pPr algn="ctr"/>
+              <a:endParaRPr lang="en-AU"/>
+            </a:p>
+          </p:txBody>
+        </p:sp>
+      </p:grpSp>
+      <p:grpSp>
+        <p:nvGrpSpPr>
+          <p:cNvPr id="40" name="Group 39">
+            <a:extLst>
+              <a:ext uri="{FF2B5EF4-FFF2-40B4-BE49-F238E27FC236}">
+                <a16:creationId xmlns:a16="http://schemas.microsoft.com/office/drawing/2014/main" id="{12B9397A-DA3F-8D42-5C75-E6C9E90B8067}"/>
+              </a:ext>
+            </a:extLst>
+          </p:cNvPr>
+          <p:cNvGrpSpPr/>
+          <p:nvPr/>
+        </p:nvGrpSpPr>
+        <p:grpSpPr>
+          <a:xfrm>
+            <a:off x="4127958" y="3369344"/>
+            <a:ext cx="445169" cy="504323"/>
+            <a:chOff x="2078705" y="1111913"/>
+            <a:chExt cx="445169" cy="504323"/>
+          </a:xfrm>
+        </p:grpSpPr>
+        <p:sp>
+          <p:nvSpPr>
+            <p:cNvPr id="41" name="Arrow: Right 40">
+              <a:extLst>
+                <a:ext uri="{FF2B5EF4-FFF2-40B4-BE49-F238E27FC236}">
+                  <a16:creationId xmlns:a16="http://schemas.microsoft.com/office/drawing/2014/main" id="{D662E802-5A5A-26E7-8AEA-FCF1BD6DE10D}"/>
+                </a:ext>
+              </a:extLst>
+            </p:cNvPr>
+            <p:cNvSpPr/>
+            <p:nvPr/>
+          </p:nvSpPr>
+          <p:spPr>
+            <a:xfrm>
+              <a:off x="2078705" y="1111913"/>
+              <a:ext cx="445169" cy="186490"/>
+            </a:xfrm>
+            <a:prstGeom prst="rightArrow">
+              <a:avLst/>
+            </a:prstGeom>
+            <a:solidFill>
+              <a:srgbClr val="3E5467"/>
+            </a:solidFill>
+            <a:ln>
+              <a:noFill/>
+            </a:ln>
+          </p:spPr>
+          <p:style>
+            <a:lnRef idx="2">
+              <a:schemeClr val="accent1">
+                <a:shade val="50000"/>
+              </a:schemeClr>
+            </a:lnRef>
+            <a:fillRef idx="1">
+              <a:schemeClr val="accent1"/>
+            </a:fillRef>
+            <a:effectRef idx="0">
+              <a:schemeClr val="accent1"/>
+            </a:effectRef>
+            <a:fontRef idx="minor">
+              <a:schemeClr val="lt1"/>
+            </a:fontRef>
+          </p:style>
+          <p:txBody>
+            <a:bodyPr rot="0" spcFirstLastPara="0" vertOverflow="overflow" horzOverflow="overflow" vert="horz" wrap="square" lIns="91440" tIns="45720" rIns="91440" bIns="45720" numCol="1" spcCol="0" rtlCol="0" fromWordArt="0" anchor="ctr" anchorCtr="0" forceAA="0" compatLnSpc="1">
+              <a:prstTxWarp prst="textNoShape">
+                <a:avLst/>
+              </a:prstTxWarp>
+              <a:noAutofit/>
+            </a:bodyPr>
+            <a:lstStyle/>
+            <a:p>
+              <a:pPr algn="ctr"/>
+              <a:endParaRPr lang="en-AU"/>
+            </a:p>
+          </p:txBody>
+        </p:sp>
+        <p:sp>
+          <p:nvSpPr>
+            <p:cNvPr id="42" name="Arrow: Right 41">
+              <a:extLst>
+                <a:ext uri="{FF2B5EF4-FFF2-40B4-BE49-F238E27FC236}">
+                  <a16:creationId xmlns:a16="http://schemas.microsoft.com/office/drawing/2014/main" id="{BDEFD08E-DE7D-FF78-433C-1DC707B87857}"/>
+                </a:ext>
+              </a:extLst>
+            </p:cNvPr>
+            <p:cNvSpPr/>
+            <p:nvPr/>
+          </p:nvSpPr>
+          <p:spPr>
+            <a:xfrm rot="10800000">
+              <a:off x="2078705" y="1429746"/>
+              <a:ext cx="445169" cy="186490"/>
+            </a:xfrm>
+            <a:prstGeom prst="rightArrow">
+              <a:avLst/>
+            </a:prstGeom>
+            <a:solidFill>
+              <a:srgbClr val="3E5467"/>
+            </a:solidFill>
+            <a:ln>
+              <a:noFill/>
+            </a:ln>
+          </p:spPr>
+          <p:style>
+            <a:lnRef idx="2">
+              <a:schemeClr val="accent1">
+                <a:shade val="50000"/>
+              </a:schemeClr>
+            </a:lnRef>
+            <a:fillRef idx="1">
+              <a:schemeClr val="accent1"/>
+            </a:fillRef>
+            <a:effectRef idx="0">
+              <a:schemeClr val="accent1"/>
+            </a:effectRef>
+            <a:fontRef idx="minor">
+              <a:schemeClr val="lt1"/>
+            </a:fontRef>
+          </p:style>
+          <p:txBody>
+            <a:bodyPr rot="0" spcFirstLastPara="0" vertOverflow="overflow" horzOverflow="overflow" vert="horz" wrap="square" lIns="91440" tIns="45720" rIns="91440" bIns="45720" numCol="1" spcCol="0" rtlCol="0" fromWordArt="0" anchor="ctr" anchorCtr="0" forceAA="0" compatLnSpc="1">
+              <a:prstTxWarp prst="textNoShape">
+                <a:avLst/>
+              </a:prstTxWarp>
+              <a:noAutofit/>
+            </a:bodyPr>
+            <a:lstStyle/>
+            <a:p>
+              <a:pPr algn="ctr"/>
+              <a:endParaRPr lang="en-AU"/>
+            </a:p>
+          </p:txBody>
+        </p:sp>
+      </p:grpSp>
+      <p:grpSp>
+        <p:nvGrpSpPr>
+          <p:cNvPr id="43" name="Group 42">
+            <a:extLst>
+              <a:ext uri="{FF2B5EF4-FFF2-40B4-BE49-F238E27FC236}">
+                <a16:creationId xmlns:a16="http://schemas.microsoft.com/office/drawing/2014/main" id="{8C6AE592-A3C2-FAC2-B07A-4936F0EC2678}"/>
+              </a:ext>
+            </a:extLst>
+          </p:cNvPr>
+          <p:cNvGrpSpPr/>
+          <p:nvPr/>
+        </p:nvGrpSpPr>
+        <p:grpSpPr>
+          <a:xfrm>
+            <a:off x="6213180" y="3369344"/>
+            <a:ext cx="445169" cy="504323"/>
+            <a:chOff x="2078705" y="1111913"/>
+            <a:chExt cx="445169" cy="504323"/>
+          </a:xfrm>
+        </p:grpSpPr>
+        <p:sp>
+          <p:nvSpPr>
+            <p:cNvPr id="44" name="Arrow: Right 43">
+              <a:extLst>
+                <a:ext uri="{FF2B5EF4-FFF2-40B4-BE49-F238E27FC236}">
+                  <a16:creationId xmlns:a16="http://schemas.microsoft.com/office/drawing/2014/main" id="{6AF919F0-84B6-7B78-6A17-8C1E3FB3E180}"/>
+                </a:ext>
+              </a:extLst>
+            </p:cNvPr>
+            <p:cNvSpPr/>
+            <p:nvPr/>
+          </p:nvSpPr>
+          <p:spPr>
+            <a:xfrm>
+              <a:off x="2078705" y="1111913"/>
+              <a:ext cx="445169" cy="186490"/>
+            </a:xfrm>
+            <a:prstGeom prst="rightArrow">
+              <a:avLst/>
+            </a:prstGeom>
+            <a:solidFill>
+              <a:srgbClr val="3E5467"/>
+            </a:solidFill>
+            <a:ln>
+              <a:noFill/>
+            </a:ln>
+          </p:spPr>
+          <p:style>
+            <a:lnRef idx="2">
+              <a:schemeClr val="accent1">
+                <a:shade val="50000"/>
+              </a:schemeClr>
+            </a:lnRef>
+            <a:fillRef idx="1">
+              <a:schemeClr val="accent1"/>
+            </a:fillRef>
+            <a:effectRef idx="0">
+              <a:schemeClr val="accent1"/>
+            </a:effectRef>
+            <a:fontRef idx="minor">
+              <a:schemeClr val="lt1"/>
+            </a:fontRef>
+          </p:style>
+          <p:txBody>
+            <a:bodyPr rot="0" spcFirstLastPara="0" vertOverflow="overflow" horzOverflow="overflow" vert="horz" wrap="square" lIns="91440" tIns="45720" rIns="91440" bIns="45720" numCol="1" spcCol="0" rtlCol="0" fromWordArt="0" anchor="ctr" anchorCtr="0" forceAA="0" compatLnSpc="1">
+              <a:prstTxWarp prst="textNoShape">
+                <a:avLst/>
+              </a:prstTxWarp>
+              <a:noAutofit/>
+            </a:bodyPr>
+            <a:lstStyle/>
+            <a:p>
+              <a:pPr algn="ctr"/>
+              <a:endParaRPr lang="en-AU"/>
+            </a:p>
+          </p:txBody>
+        </p:sp>
+        <p:sp>
+          <p:nvSpPr>
+            <p:cNvPr id="45" name="Arrow: Right 44">
+              <a:extLst>
+                <a:ext uri="{FF2B5EF4-FFF2-40B4-BE49-F238E27FC236}">
+                  <a16:creationId xmlns:a16="http://schemas.microsoft.com/office/drawing/2014/main" id="{400F6477-F28F-2382-C157-8433490D6836}"/>
+                </a:ext>
+              </a:extLst>
+            </p:cNvPr>
+            <p:cNvSpPr/>
+            <p:nvPr/>
+          </p:nvSpPr>
+          <p:spPr>
+            <a:xfrm rot="10800000">
+              <a:off x="2078705" y="1429746"/>
+              <a:ext cx="445169" cy="186490"/>
+            </a:xfrm>
+            <a:prstGeom prst="rightArrow">
+              <a:avLst/>
+            </a:prstGeom>
+            <a:solidFill>
+              <a:srgbClr val="3E5467"/>
+            </a:solidFill>
+            <a:ln>
+              <a:noFill/>
+            </a:ln>
+          </p:spPr>
+          <p:style>
+            <a:lnRef idx="2">
+              <a:schemeClr val="accent1">
+                <a:shade val="50000"/>
+              </a:schemeClr>
+            </a:lnRef>
+            <a:fillRef idx="1">
+              <a:schemeClr val="accent1"/>
+            </a:fillRef>
+            <a:effectRef idx="0">
+              <a:schemeClr val="accent1"/>
+            </a:effectRef>
+            <a:fontRef idx="minor">
+              <a:schemeClr val="lt1"/>
+            </a:fontRef>
+          </p:style>
+          <p:txBody>
+            <a:bodyPr rot="0" spcFirstLastPara="0" vertOverflow="overflow" horzOverflow="overflow" vert="horz" wrap="square" lIns="91440" tIns="45720" rIns="91440" bIns="45720" numCol="1" spcCol="0" rtlCol="0" fromWordArt="0" anchor="ctr" anchorCtr="0" forceAA="0" compatLnSpc="1">
+              <a:prstTxWarp prst="textNoShape">
+                <a:avLst/>
+              </a:prstTxWarp>
+              <a:noAutofit/>
+            </a:bodyPr>
+            <a:lstStyle/>
+            <a:p>
+              <a:pPr algn="ctr"/>
+              <a:endParaRPr lang="en-AU"/>
+            </a:p>
+          </p:txBody>
+        </p:sp>
+      </p:grpSp>
+      <p:grpSp>
+        <p:nvGrpSpPr>
+          <p:cNvPr id="46" name="Group 45">
+            <a:extLst>
+              <a:ext uri="{FF2B5EF4-FFF2-40B4-BE49-F238E27FC236}">
+                <a16:creationId xmlns:a16="http://schemas.microsoft.com/office/drawing/2014/main" id="{BE942F8F-5E5C-A5DC-788E-DD62FDA0F27E}"/>
+              </a:ext>
+            </a:extLst>
+          </p:cNvPr>
+          <p:cNvGrpSpPr/>
+          <p:nvPr/>
+        </p:nvGrpSpPr>
+        <p:grpSpPr>
+          <a:xfrm>
+            <a:off x="8298402" y="3369344"/>
+            <a:ext cx="445169" cy="504323"/>
+            <a:chOff x="2078705" y="1111913"/>
+            <a:chExt cx="445169" cy="504323"/>
+          </a:xfrm>
+        </p:grpSpPr>
+        <p:sp>
+          <p:nvSpPr>
+            <p:cNvPr id="47" name="Arrow: Right 46">
+              <a:extLst>
+                <a:ext uri="{FF2B5EF4-FFF2-40B4-BE49-F238E27FC236}">
+                  <a16:creationId xmlns:a16="http://schemas.microsoft.com/office/drawing/2014/main" id="{EF66AB84-B15E-E92B-112F-70AD1F617E3C}"/>
+                </a:ext>
+              </a:extLst>
+            </p:cNvPr>
+            <p:cNvSpPr/>
+            <p:nvPr/>
+          </p:nvSpPr>
+          <p:spPr>
+            <a:xfrm>
+              <a:off x="2078705" y="1111913"/>
+              <a:ext cx="445169" cy="186490"/>
+            </a:xfrm>
+            <a:prstGeom prst="rightArrow">
+              <a:avLst/>
+            </a:prstGeom>
+            <a:solidFill>
+              <a:srgbClr val="3E5467"/>
+            </a:solidFill>
+            <a:ln>
+              <a:noFill/>
+            </a:ln>
+          </p:spPr>
+          <p:style>
+            <a:lnRef idx="2">
+              <a:schemeClr val="accent1">
+                <a:shade val="50000"/>
+              </a:schemeClr>
+            </a:lnRef>
+            <a:fillRef idx="1">
+              <a:schemeClr val="accent1"/>
+            </a:fillRef>
+            <a:effectRef idx="0">
+              <a:schemeClr val="accent1"/>
+            </a:effectRef>
+            <a:fontRef idx="minor">
+              <a:schemeClr val="lt1"/>
+            </a:fontRef>
+          </p:style>
+          <p:txBody>
+            <a:bodyPr rot="0" spcFirstLastPara="0" vertOverflow="overflow" horzOverflow="overflow" vert="horz" wrap="square" lIns="91440" tIns="45720" rIns="91440" bIns="45720" numCol="1" spcCol="0" rtlCol="0" fromWordArt="0" anchor="ctr" anchorCtr="0" forceAA="0" compatLnSpc="1">
+              <a:prstTxWarp prst="textNoShape">
+                <a:avLst/>
+              </a:prstTxWarp>
+              <a:noAutofit/>
+            </a:bodyPr>
+            <a:lstStyle/>
+            <a:p>
+              <a:pPr algn="ctr"/>
+              <a:endParaRPr lang="en-AU"/>
+            </a:p>
+          </p:txBody>
+        </p:sp>
+        <p:sp>
+          <p:nvSpPr>
+            <p:cNvPr id="48" name="Arrow: Right 47">
+              <a:extLst>
+                <a:ext uri="{FF2B5EF4-FFF2-40B4-BE49-F238E27FC236}">
+                  <a16:creationId xmlns:a16="http://schemas.microsoft.com/office/drawing/2014/main" id="{67B42727-CE6F-9D94-83AC-4EFEE61E5CD3}"/>
+                </a:ext>
+              </a:extLst>
+            </p:cNvPr>
+            <p:cNvSpPr/>
+            <p:nvPr/>
+          </p:nvSpPr>
+          <p:spPr>
+            <a:xfrm rot="10800000">
+              <a:off x="2078705" y="1429746"/>
+              <a:ext cx="445169" cy="186490"/>
+            </a:xfrm>
+            <a:prstGeom prst="rightArrow">
+              <a:avLst/>
+            </a:prstGeom>
+            <a:solidFill>
+              <a:srgbClr val="3E5467"/>
+            </a:solidFill>
+            <a:ln>
+              <a:noFill/>
+            </a:ln>
+          </p:spPr>
+          <p:style>
+            <a:lnRef idx="2">
+              <a:schemeClr val="accent1">
+                <a:shade val="50000"/>
+              </a:schemeClr>
+            </a:lnRef>
+            <a:fillRef idx="1">
+              <a:schemeClr val="accent1"/>
+            </a:fillRef>
+            <a:effectRef idx="0">
+              <a:schemeClr val="accent1"/>
+            </a:effectRef>
+            <a:fontRef idx="minor">
+              <a:schemeClr val="lt1"/>
+            </a:fontRef>
+          </p:style>
+          <p:txBody>
+            <a:bodyPr rot="0" spcFirstLastPara="0" vertOverflow="overflow" horzOverflow="overflow" vert="horz" wrap="square" lIns="91440" tIns="45720" rIns="91440" bIns="45720" numCol="1" spcCol="0" rtlCol="0" fromWordArt="0" anchor="ctr" anchorCtr="0" forceAA="0" compatLnSpc="1">
+              <a:prstTxWarp prst="textNoShape">
+                <a:avLst/>
+              </a:prstTxWarp>
+              <a:noAutofit/>
+            </a:bodyPr>
+            <a:lstStyle/>
+            <a:p>
+              <a:pPr algn="ctr"/>
+              <a:endParaRPr lang="en-AU"/>
+            </a:p>
+          </p:txBody>
+        </p:sp>
+      </p:grpSp>
+    </p:spTree>
+    <p:extLst>
+      <p:ext uri="{BB962C8B-B14F-4D97-AF65-F5344CB8AC3E}">
+        <p14:creationId xmlns:p14="http://schemas.microsoft.com/office/powerpoint/2010/main" val="3126720950"/>
+      </p:ext>
+    </p:extLst>
+  </p:cSld>
+  <p:clrMapOvr>
+    <a:masterClrMapping/>
+  </p:clrMapOvr>
+</p:sld>
+</file>
+
+<file path=ppt/slides/slide3.xml><?xml version="1.0" encoding="utf-8"?>
+<p:sld xmlns:a="http://schemas.openxmlformats.org/drawingml/2006/main" xmlns:r="http://schemas.openxmlformats.org/officeDocument/2006/relationships" xmlns:p="http://schemas.openxmlformats.org/presentationml/2006/main">
+  <p:cSld>
+    <p:spTree>
+      <p:nvGrpSpPr>
+        <p:cNvPr id="1" name=""/>
+        <p:cNvGrpSpPr/>
+        <p:nvPr/>
+      </p:nvGrpSpPr>
+      <p:grpSpPr>
+        <a:xfrm>
+          <a:off x="0" y="0"/>
+          <a:ext cx="0" cy="0"/>
+          <a:chOff x="0" y="0"/>
+          <a:chExt cx="0" cy="0"/>
+        </a:xfrm>
+      </p:grpSpPr>
       <p:pic>
         <p:nvPicPr>
           <p:cNvPr id="4" name="Picture 1" descr="Triangular abstract background">
@@ -4289,7 +6082,7 @@
 </p:sld>
 </file>
 
-<file path=ppt/slides/slide3.xml><?xml version="1.0" encoding="utf-8"?>
+<file path=ppt/slides/slide4.xml><?xml version="1.0" encoding="utf-8"?>
 <p:sld xmlns:a="http://schemas.openxmlformats.org/drawingml/2006/main" xmlns:r="http://schemas.openxmlformats.org/officeDocument/2006/relationships" xmlns:p="http://schemas.openxmlformats.org/presentationml/2006/main">
   <p:cSld>
     <p:spTree>
@@ -4445,6 +6238,162 @@
           </a:extLst>
         </p:spPr>
       </p:pic>
+      <p:sp>
+        <p:nvSpPr>
+          <p:cNvPr id="2" name="Rectangle 1">
+            <a:extLst>
+              <a:ext uri="{FF2B5EF4-FFF2-40B4-BE49-F238E27FC236}">
+                <a16:creationId xmlns:a16="http://schemas.microsoft.com/office/drawing/2014/main" id="{58AA0020-E0BB-4BE4-55E1-F6C411F986FE}"/>
+              </a:ext>
+            </a:extLst>
+          </p:cNvPr>
+          <p:cNvSpPr/>
+          <p:nvPr/>
+        </p:nvSpPr>
+        <p:spPr>
+          <a:xfrm>
+            <a:off x="4475747" y="2869532"/>
+            <a:ext cx="1174856" cy="619626"/>
+          </a:xfrm>
+          <a:prstGeom prst="rect">
+            <a:avLst/>
+          </a:prstGeom>
+          <a:solidFill>
+            <a:srgbClr val="00BD82"/>
+          </a:solidFill>
+          <a:ln>
+            <a:noFill/>
+          </a:ln>
+        </p:spPr>
+        <p:style>
+          <a:lnRef idx="2">
+            <a:schemeClr val="accent1">
+              <a:shade val="50000"/>
+            </a:schemeClr>
+          </a:lnRef>
+          <a:fillRef idx="1">
+            <a:schemeClr val="accent1"/>
+          </a:fillRef>
+          <a:effectRef idx="0">
+            <a:schemeClr val="accent1"/>
+          </a:effectRef>
+          <a:fontRef idx="minor">
+            <a:schemeClr val="lt1"/>
+          </a:fontRef>
+        </p:style>
+        <p:txBody>
+          <a:bodyPr rtlCol="0" anchor="ctr"/>
+          <a:lstStyle/>
+          <a:p>
+            <a:pPr algn="ctr"/>
+            <a:endParaRPr lang="en-AU"/>
+          </a:p>
+        </p:txBody>
+      </p:sp>
+      <p:sp>
+        <p:nvSpPr>
+          <p:cNvPr id="3" name="Rectangle 2">
+            <a:extLst>
+              <a:ext uri="{FF2B5EF4-FFF2-40B4-BE49-F238E27FC236}">
+                <a16:creationId xmlns:a16="http://schemas.microsoft.com/office/drawing/2014/main" id="{4BC0C641-4FA7-E8CC-ED01-75A52A62991D}"/>
+              </a:ext>
+            </a:extLst>
+          </p:cNvPr>
+          <p:cNvSpPr/>
+          <p:nvPr/>
+        </p:nvSpPr>
+        <p:spPr>
+          <a:xfrm>
+            <a:off x="4475747" y="3717235"/>
+            <a:ext cx="1174856" cy="619626"/>
+          </a:xfrm>
+          <a:prstGeom prst="rect">
+            <a:avLst/>
+          </a:prstGeom>
+          <a:solidFill>
+            <a:srgbClr val="3E5467"/>
+          </a:solidFill>
+          <a:ln>
+            <a:noFill/>
+          </a:ln>
+        </p:spPr>
+        <p:style>
+          <a:lnRef idx="2">
+            <a:schemeClr val="accent1">
+              <a:shade val="50000"/>
+            </a:schemeClr>
+          </a:lnRef>
+          <a:fillRef idx="1">
+            <a:schemeClr val="accent1"/>
+          </a:fillRef>
+          <a:effectRef idx="0">
+            <a:schemeClr val="accent1"/>
+          </a:effectRef>
+          <a:fontRef idx="minor">
+            <a:schemeClr val="lt1"/>
+          </a:fontRef>
+        </p:style>
+        <p:txBody>
+          <a:bodyPr rtlCol="0" anchor="ctr"/>
+          <a:lstStyle/>
+          <a:p>
+            <a:pPr algn="ctr"/>
+            <a:endParaRPr lang="en-AU"/>
+          </a:p>
+        </p:txBody>
+      </p:sp>
+      <p:sp>
+        <p:nvSpPr>
+          <p:cNvPr id="5" name="Rectangle 4">
+            <a:extLst>
+              <a:ext uri="{FF2B5EF4-FFF2-40B4-BE49-F238E27FC236}">
+                <a16:creationId xmlns:a16="http://schemas.microsoft.com/office/drawing/2014/main" id="{6F41456B-280A-A22F-8B03-CB33D1E9B040}"/>
+              </a:ext>
+            </a:extLst>
+          </p:cNvPr>
+          <p:cNvSpPr/>
+          <p:nvPr/>
+        </p:nvSpPr>
+        <p:spPr>
+          <a:xfrm>
+            <a:off x="4475747" y="4656483"/>
+            <a:ext cx="1174856" cy="619626"/>
+          </a:xfrm>
+          <a:prstGeom prst="rect">
+            <a:avLst/>
+          </a:prstGeom>
+          <a:solidFill>
+            <a:srgbClr val="EF2F20"/>
+          </a:solidFill>
+          <a:ln>
+            <a:noFill/>
+          </a:ln>
+        </p:spPr>
+        <p:style>
+          <a:lnRef idx="2">
+            <a:schemeClr val="accent1">
+              <a:shade val="50000"/>
+            </a:schemeClr>
+          </a:lnRef>
+          <a:fillRef idx="1">
+            <a:schemeClr val="accent1"/>
+          </a:fillRef>
+          <a:effectRef idx="0">
+            <a:schemeClr val="accent1"/>
+          </a:effectRef>
+          <a:fontRef idx="minor">
+            <a:schemeClr val="lt1"/>
+          </a:fontRef>
+        </p:style>
+        <p:txBody>
+          <a:bodyPr rtlCol="0" anchor="ctr"/>
+          <a:lstStyle/>
+          <a:p>
+            <a:pPr algn="ctr"/>
+            <a:endParaRPr lang="en-AU"/>
+          </a:p>
+        </p:txBody>
+      </p:sp>
     </p:spTree>
     <p:extLst>
       <p:ext uri="{BB962C8B-B14F-4D97-AF65-F5344CB8AC3E}">

--- a/docs/graphics.pptx
+++ b/docs/graphics.pptx
@@ -3404,7 +3404,9 @@
           <a:p>
             <a:pPr algn="ctr"/>
             <a:r>
-              <a:rPr lang="en-AU" sz="2400" b="1" dirty="0"/>
+              <a:rPr lang="en-AU" sz="2000" b="1" dirty="0">
+                <a:latin typeface="ClanOT-Medium" panose="02000503030000020004" pitchFamily="2" charset="0"/>
+              </a:rPr>
               <a:t>@konnec/vue-eloquent</a:t>
             </a:r>
           </a:p>
@@ -3464,26 +3466,38 @@
           <a:p>
             <a:pPr algn="ctr"/>
             <a:r>
-              <a:rPr lang="en-AU" sz="2400" b="1" dirty="0" err="1"/>
+              <a:rPr lang="en-AU" sz="2000" b="1" dirty="0" err="1">
+                <a:latin typeface="ClanOT-Medium" panose="02000503030000020004" pitchFamily="2" charset="0"/>
+              </a:rPr>
               <a:t>konnec</a:t>
             </a:r>
             <a:r>
-              <a:rPr lang="en-AU" sz="2400" b="1" dirty="0"/>
+              <a:rPr lang="en-AU" sz="2000" b="1" dirty="0">
+                <a:latin typeface="ClanOT-Medium" panose="02000503030000020004" pitchFamily="2" charset="0"/>
+              </a:rPr>
               <a:t>/</a:t>
             </a:r>
             <a:r>
-              <a:rPr lang="en-AU" sz="2400" b="1" dirty="0" err="1"/>
+              <a:rPr lang="en-AU" sz="2000" b="1" dirty="0" err="1">
+                <a:latin typeface="ClanOT-Medium" panose="02000503030000020004" pitchFamily="2" charset="0"/>
+              </a:rPr>
               <a:t>vue</a:t>
             </a:r>
             <a:r>
-              <a:rPr lang="en-AU" sz="2400" b="1" dirty="0"/>
+              <a:rPr lang="en-AU" sz="2000" b="1" dirty="0">
+                <a:latin typeface="ClanOT-Medium" panose="02000503030000020004" pitchFamily="2" charset="0"/>
+              </a:rPr>
               <a:t>-eloquent-</a:t>
             </a:r>
             <a:r>
-              <a:rPr lang="en-AU" sz="2400" b="1" dirty="0" err="1"/>
+              <a:rPr lang="en-AU" sz="2000" b="1" dirty="0" err="1">
+                <a:latin typeface="ClanOT-Medium" panose="02000503030000020004" pitchFamily="2" charset="0"/>
+              </a:rPr>
               <a:t>api</a:t>
             </a:r>
-            <a:endParaRPr lang="en-AU" sz="2400" b="1" dirty="0"/>
+            <a:endParaRPr lang="en-AU" sz="2000" b="1" dirty="0">
+              <a:latin typeface="ClanOT-Medium" panose="02000503030000020004" pitchFamily="2" charset="0"/>
+            </a:endParaRPr>
           </a:p>
         </p:txBody>
       </p:sp>
@@ -3541,7 +3555,9 @@
           <a:p>
             <a:pPr algn="ctr"/>
             <a:r>
-              <a:rPr lang="en-AU" sz="2400" dirty="0"/>
+              <a:rPr lang="en-AU" sz="2000" b="1" dirty="0">
+                <a:latin typeface="ClanOT-Medium" panose="02000503030000020004" pitchFamily="2" charset="0"/>
+              </a:rPr>
               <a:t>Controller</a:t>
             </a:r>
           </a:p>
@@ -3601,7 +3617,9 @@
           <a:p>
             <a:pPr algn="ctr"/>
             <a:r>
-              <a:rPr lang="en-AU" sz="2400" dirty="0"/>
+              <a:rPr lang="en-AU" sz="2000" b="1" dirty="0">
+                <a:latin typeface="ClanOT-Medium" panose="02000503030000020004" pitchFamily="2" charset="0"/>
+              </a:rPr>
               <a:t>Model</a:t>
             </a:r>
           </a:p>
@@ -3661,11 +3679,15 @@
           <a:p>
             <a:pPr algn="ctr"/>
             <a:r>
-              <a:rPr lang="en-AU" sz="2400" dirty="0" err="1"/>
+              <a:rPr lang="en-AU" sz="2000" b="1" dirty="0" err="1">
+                <a:latin typeface="ClanOT-Medium" panose="02000503030000020004" pitchFamily="2" charset="0"/>
+              </a:rPr>
               <a:t>Api</a:t>
             </a:r>
             <a:r>
-              <a:rPr lang="en-AU" sz="2400" dirty="0"/>
+              <a:rPr lang="en-AU" sz="2000" b="1" dirty="0">
+                <a:latin typeface="ClanOT-Medium" panose="02000503030000020004" pitchFamily="2" charset="0"/>
+              </a:rPr>
               <a:t> Class</a:t>
             </a:r>
           </a:p>
@@ -3725,7 +3747,9 @@
           <a:p>
             <a:pPr algn="ctr"/>
             <a:r>
-              <a:rPr lang="en-AU" sz="2400" dirty="0"/>
+              <a:rPr lang="en-AU" sz="2000" b="1" dirty="0">
+                <a:latin typeface="ClanOT-Medium" panose="02000503030000020004" pitchFamily="2" charset="0"/>
+              </a:rPr>
               <a:t>Model Class</a:t>
             </a:r>
           </a:p>
@@ -3785,7 +3809,9 @@
           <a:p>
             <a:pPr algn="ctr"/>
             <a:r>
-              <a:rPr lang="en-AU" sz="2400" dirty="0"/>
+              <a:rPr lang="en-AU" sz="2000" b="1" dirty="0">
+                <a:latin typeface="ClanOT-Medium" panose="02000503030000020004" pitchFamily="2" charset="0"/>
+              </a:rPr>
               <a:t>Collection Class</a:t>
             </a:r>
           </a:p>
@@ -3845,7 +3871,9 @@
           <a:p>
             <a:pPr algn="ctr"/>
             <a:r>
-              <a:rPr lang="en-AU" dirty="0"/>
+              <a:rPr lang="en-AU" sz="1600" b="1" dirty="0">
+                <a:latin typeface="ClanOT-Medium" panose="02000503030000020004" pitchFamily="2" charset="0"/>
+              </a:rPr>
               <a:t>Route</a:t>
             </a:r>
           </a:p>
@@ -3904,7 +3932,9 @@
           <a:lstStyle/>
           <a:p>
             <a:pPr algn="ctr"/>
-            <a:endParaRPr lang="en-AU" sz="2400"/>
+            <a:endParaRPr lang="en-AU" sz="2000" b="1">
+              <a:latin typeface="ClanOT-Medium" panose="02000503030000020004" pitchFamily="2" charset="0"/>
+            </a:endParaRPr>
           </a:p>
         </p:txBody>
       </p:sp>
@@ -3961,7 +3991,9 @@
           <a:lstStyle/>
           <a:p>
             <a:pPr algn="ctr"/>
-            <a:endParaRPr lang="en-AU" sz="2400"/>
+            <a:endParaRPr lang="en-AU" sz="2000" b="1">
+              <a:latin typeface="ClanOT-Medium" panose="02000503030000020004" pitchFamily="2" charset="0"/>
+            </a:endParaRPr>
           </a:p>
         </p:txBody>
       </p:sp>
@@ -4018,7 +4050,9 @@
           <a:lstStyle/>
           <a:p>
             <a:pPr algn="ctr"/>
-            <a:endParaRPr lang="en-AU" sz="2400"/>
+            <a:endParaRPr lang="en-AU" sz="2000" b="1">
+              <a:latin typeface="ClanOT-Medium" panose="02000503030000020004" pitchFamily="2" charset="0"/>
+            </a:endParaRPr>
           </a:p>
         </p:txBody>
       </p:sp>
@@ -4075,7 +4109,9 @@
           <a:lstStyle/>
           <a:p>
             <a:pPr algn="ctr"/>
-            <a:endParaRPr lang="en-AU" sz="2400"/>
+            <a:endParaRPr lang="en-AU" sz="2000" b="1">
+              <a:latin typeface="ClanOT-Medium" panose="02000503030000020004" pitchFamily="2" charset="0"/>
+            </a:endParaRPr>
           </a:p>
         </p:txBody>
       </p:sp>
@@ -4132,7 +4168,9 @@
           <a:lstStyle/>
           <a:p>
             <a:pPr algn="ctr"/>
-            <a:endParaRPr lang="en-AU" sz="2400"/>
+            <a:endParaRPr lang="en-AU" sz="2000" b="1">
+              <a:latin typeface="ClanOT-Medium" panose="02000503030000020004" pitchFamily="2" charset="0"/>
+            </a:endParaRPr>
           </a:p>
         </p:txBody>
       </p:sp>
@@ -4220,7 +4258,9 @@
           <a:p>
             <a:pPr algn="ctr"/>
             <a:r>
-              <a:rPr lang="en-AU" dirty="0"/>
+              <a:rPr lang="en-AU" dirty="0">
+                <a:latin typeface="ClanOT-Medium" panose="02000503030000020004" pitchFamily="2" charset="0"/>
+              </a:rPr>
               <a:t>Model Class</a:t>
             </a:r>
           </a:p>
@@ -4280,11 +4320,15 @@
           <a:p>
             <a:pPr algn="ctr"/>
             <a:r>
-              <a:rPr lang="en-AU" dirty="0" err="1"/>
+              <a:rPr lang="en-AU" dirty="0" err="1">
+                <a:latin typeface="ClanOT-Medium" panose="02000503030000020004" pitchFamily="2" charset="0"/>
+              </a:rPr>
               <a:t>Api</a:t>
             </a:r>
             <a:r>
-              <a:rPr lang="en-AU" dirty="0"/>
+              <a:rPr lang="en-AU" dirty="0">
+                <a:latin typeface="ClanOT-Medium" panose="02000503030000020004" pitchFamily="2" charset="0"/>
+              </a:rPr>
               <a:t> Class</a:t>
             </a:r>
           </a:p>
@@ -4344,7 +4388,9 @@
           <a:p>
             <a:pPr algn="ctr"/>
             <a:r>
-              <a:rPr lang="en-AU" dirty="0"/>
+              <a:rPr lang="en-AU" dirty="0">
+                <a:latin typeface="ClanOT-Medium" panose="02000503030000020004" pitchFamily="2" charset="0"/>
+              </a:rPr>
               <a:t>Route</a:t>
             </a:r>
           </a:p>
@@ -4404,7 +4450,9 @@
           <a:p>
             <a:pPr algn="ctr"/>
             <a:r>
-              <a:rPr lang="en-AU" dirty="0"/>
+              <a:rPr lang="en-AU" dirty="0">
+                <a:latin typeface="ClanOT-Medium" panose="02000503030000020004" pitchFamily="2" charset="0"/>
+              </a:rPr>
               <a:t>Controller</a:t>
             </a:r>
           </a:p>
@@ -4464,7 +4512,9 @@
           <a:p>
             <a:pPr algn="ctr"/>
             <a:r>
-              <a:rPr lang="en-AU" dirty="0"/>
+              <a:rPr lang="en-AU" dirty="0">
+                <a:latin typeface="ClanOT-Medium" panose="02000503030000020004" pitchFamily="2" charset="0"/>
+              </a:rPr>
               <a:t>Model</a:t>
             </a:r>
           </a:p>
@@ -4543,7 +4593,9 @@
             <a:lstStyle/>
             <a:p>
               <a:pPr algn="ctr"/>
-              <a:endParaRPr lang="en-AU"/>
+              <a:endParaRPr lang="en-AU">
+                <a:latin typeface="ClanOT-Medium" panose="02000503030000020004" pitchFamily="2" charset="0"/>
+              </a:endParaRPr>
             </a:p>
           </p:txBody>
         </p:sp>
@@ -4600,7 +4652,9 @@
             <a:lstStyle/>
             <a:p>
               <a:pPr algn="ctr"/>
-              <a:endParaRPr lang="en-AU"/>
+              <a:endParaRPr lang="en-AU">
+                <a:latin typeface="ClanOT-Medium" panose="02000503030000020004" pitchFamily="2" charset="0"/>
+              </a:endParaRPr>
             </a:p>
           </p:txBody>
         </p:sp>
@@ -4678,7 +4732,9 @@
             <a:lstStyle/>
             <a:p>
               <a:pPr algn="ctr"/>
-              <a:endParaRPr lang="en-AU"/>
+              <a:endParaRPr lang="en-AU">
+                <a:latin typeface="ClanOT-Medium" panose="02000503030000020004" pitchFamily="2" charset="0"/>
+              </a:endParaRPr>
             </a:p>
           </p:txBody>
         </p:sp>
@@ -4735,7 +4791,9 @@
             <a:lstStyle/>
             <a:p>
               <a:pPr algn="ctr"/>
-              <a:endParaRPr lang="en-AU"/>
+              <a:endParaRPr lang="en-AU">
+                <a:latin typeface="ClanOT-Medium" panose="02000503030000020004" pitchFamily="2" charset="0"/>
+              </a:endParaRPr>
             </a:p>
           </p:txBody>
         </p:sp>
@@ -4813,7 +4871,9 @@
             <a:lstStyle/>
             <a:p>
               <a:pPr algn="ctr"/>
-              <a:endParaRPr lang="en-AU"/>
+              <a:endParaRPr lang="en-AU">
+                <a:latin typeface="ClanOT-Medium" panose="02000503030000020004" pitchFamily="2" charset="0"/>
+              </a:endParaRPr>
             </a:p>
           </p:txBody>
         </p:sp>
@@ -4870,7 +4930,9 @@
             <a:lstStyle/>
             <a:p>
               <a:pPr algn="ctr"/>
-              <a:endParaRPr lang="en-AU"/>
+              <a:endParaRPr lang="en-AU">
+                <a:latin typeface="ClanOT-Medium" panose="02000503030000020004" pitchFamily="2" charset="0"/>
+              </a:endParaRPr>
             </a:p>
           </p:txBody>
         </p:sp>
@@ -4948,7 +5010,9 @@
             <a:lstStyle/>
             <a:p>
               <a:pPr algn="ctr"/>
-              <a:endParaRPr lang="en-AU"/>
+              <a:endParaRPr lang="en-AU">
+                <a:latin typeface="ClanOT-Medium" panose="02000503030000020004" pitchFamily="2" charset="0"/>
+              </a:endParaRPr>
             </a:p>
           </p:txBody>
         </p:sp>
@@ -5005,7 +5069,9 @@
             <a:lstStyle/>
             <a:p>
               <a:pPr algn="ctr"/>
-              <a:endParaRPr lang="en-AU"/>
+              <a:endParaRPr lang="en-AU">
+                <a:latin typeface="ClanOT-Medium" panose="02000503030000020004" pitchFamily="2" charset="0"/>
+              </a:endParaRPr>
             </a:p>
           </p:txBody>
         </p:sp>
@@ -5064,7 +5130,9 @@
           <a:p>
             <a:pPr algn="ctr"/>
             <a:r>
-              <a:rPr lang="en-AU" dirty="0"/>
+              <a:rPr lang="en-AU" dirty="0">
+                <a:latin typeface="ClanOT-Medium" panose="02000503030000020004" pitchFamily="2" charset="0"/>
+              </a:rPr>
               <a:t>Collection Class</a:t>
             </a:r>
           </a:p>
@@ -5124,11 +5192,15 @@
           <a:p>
             <a:pPr algn="ctr"/>
             <a:r>
-              <a:rPr lang="en-AU" dirty="0" err="1"/>
+              <a:rPr lang="en-AU" dirty="0" err="1">
+                <a:latin typeface="ClanOT-Medium" panose="02000503030000020004" pitchFamily="2" charset="0"/>
+              </a:rPr>
               <a:t>Api</a:t>
             </a:r>
             <a:r>
-              <a:rPr lang="en-AU" dirty="0"/>
+              <a:rPr lang="en-AU" dirty="0">
+                <a:latin typeface="ClanOT-Medium" panose="02000503030000020004" pitchFamily="2" charset="0"/>
+              </a:rPr>
               <a:t> Class</a:t>
             </a:r>
           </a:p>
@@ -5188,7 +5260,9 @@
           <a:p>
             <a:pPr algn="ctr"/>
             <a:r>
-              <a:rPr lang="en-AU" dirty="0"/>
+              <a:rPr lang="en-AU" dirty="0">
+                <a:latin typeface="ClanOT-Medium" panose="02000503030000020004" pitchFamily="2" charset="0"/>
+              </a:rPr>
               <a:t>Route</a:t>
             </a:r>
           </a:p>
@@ -5248,7 +5322,9 @@
           <a:p>
             <a:pPr algn="ctr"/>
             <a:r>
-              <a:rPr lang="en-AU" dirty="0"/>
+              <a:rPr lang="en-AU" dirty="0">
+                <a:latin typeface="ClanOT-Medium" panose="02000503030000020004" pitchFamily="2" charset="0"/>
+              </a:rPr>
               <a:t>Controller</a:t>
             </a:r>
           </a:p>
@@ -5308,7 +5384,9 @@
           <a:p>
             <a:pPr algn="ctr"/>
             <a:r>
-              <a:rPr lang="en-AU" dirty="0"/>
+              <a:rPr lang="en-AU" dirty="0">
+                <a:latin typeface="ClanOT-Medium" panose="02000503030000020004" pitchFamily="2" charset="0"/>
+              </a:rPr>
               <a:t>Model</a:t>
             </a:r>
           </a:p>
@@ -5387,7 +5465,9 @@
             <a:lstStyle/>
             <a:p>
               <a:pPr algn="ctr"/>
-              <a:endParaRPr lang="en-AU"/>
+              <a:endParaRPr lang="en-AU">
+                <a:latin typeface="ClanOT-Medium" panose="02000503030000020004" pitchFamily="2" charset="0"/>
+              </a:endParaRPr>
             </a:p>
           </p:txBody>
         </p:sp>
@@ -5444,7 +5524,9 @@
             <a:lstStyle/>
             <a:p>
               <a:pPr algn="ctr"/>
-              <a:endParaRPr lang="en-AU"/>
+              <a:endParaRPr lang="en-AU">
+                <a:latin typeface="ClanOT-Medium" panose="02000503030000020004" pitchFamily="2" charset="0"/>
+              </a:endParaRPr>
             </a:p>
           </p:txBody>
         </p:sp>
@@ -5522,7 +5604,9 @@
             <a:lstStyle/>
             <a:p>
               <a:pPr algn="ctr"/>
-              <a:endParaRPr lang="en-AU"/>
+              <a:endParaRPr lang="en-AU">
+                <a:latin typeface="ClanOT-Medium" panose="02000503030000020004" pitchFamily="2" charset="0"/>
+              </a:endParaRPr>
             </a:p>
           </p:txBody>
         </p:sp>
@@ -5579,7 +5663,9 @@
             <a:lstStyle/>
             <a:p>
               <a:pPr algn="ctr"/>
-              <a:endParaRPr lang="en-AU"/>
+              <a:endParaRPr lang="en-AU">
+                <a:latin typeface="ClanOT-Medium" panose="02000503030000020004" pitchFamily="2" charset="0"/>
+              </a:endParaRPr>
             </a:p>
           </p:txBody>
         </p:sp>
@@ -5657,7 +5743,9 @@
             <a:lstStyle/>
             <a:p>
               <a:pPr algn="ctr"/>
-              <a:endParaRPr lang="en-AU"/>
+              <a:endParaRPr lang="en-AU">
+                <a:latin typeface="ClanOT-Medium" panose="02000503030000020004" pitchFamily="2" charset="0"/>
+              </a:endParaRPr>
             </a:p>
           </p:txBody>
         </p:sp>
@@ -5714,7 +5802,9 @@
             <a:lstStyle/>
             <a:p>
               <a:pPr algn="ctr"/>
-              <a:endParaRPr lang="en-AU"/>
+              <a:endParaRPr lang="en-AU">
+                <a:latin typeface="ClanOT-Medium" panose="02000503030000020004" pitchFamily="2" charset="0"/>
+              </a:endParaRPr>
             </a:p>
           </p:txBody>
         </p:sp>
@@ -5792,7 +5882,9 @@
             <a:lstStyle/>
             <a:p>
               <a:pPr algn="ctr"/>
-              <a:endParaRPr lang="en-AU"/>
+              <a:endParaRPr lang="en-AU">
+                <a:latin typeface="ClanOT-Medium" panose="02000503030000020004" pitchFamily="2" charset="0"/>
+              </a:endParaRPr>
             </a:p>
           </p:txBody>
         </p:sp>
@@ -5849,7 +5941,9 @@
             <a:lstStyle/>
             <a:p>
               <a:pPr algn="ctr"/>
-              <a:endParaRPr lang="en-AU"/>
+              <a:endParaRPr lang="en-AU">
+                <a:latin typeface="ClanOT-Medium" panose="02000503030000020004" pitchFamily="2" charset="0"/>
+              </a:endParaRPr>
             </a:p>
           </p:txBody>
         </p:sp>
